--- a/docs/prez.pptx
+++ b/docs/prez.pptx
@@ -4,7 +4,7 @@
   <p:sldMasterIdLst>
     <p:sldMasterId id="2147483648" r:id="rId2"/>
     <p:sldMasterId id="2147483650" r:id="rId3"/>
-    <p:sldMasterId id="2147483654" r:id="rId4"/>
+    <p:sldMasterId id="2147483655" r:id="rId4"/>
   </p:sldMasterIdLst>
   <p:sldIdLst>
     <p:sldId id="256" r:id="rId5"/>
@@ -52,7 +52,7 @@
         <p:spPr>
           <a:xfrm>
             <a:off x="457200" y="205200"/>
-            <a:ext cx="8229240" cy="858600"/>
+            <a:ext cx="8228880" cy="858240"/>
           </a:xfrm>
           <a:prstGeom prst="rect">
             <a:avLst/>
@@ -94,7 +94,7 @@
         <p:spPr>
           <a:xfrm>
             <a:off x="457200" y="1203480"/>
-            <a:ext cx="8229240" cy="2982960"/>
+            <a:ext cx="8228880" cy="2982600"/>
           </a:xfrm>
           <a:prstGeom prst="rect">
             <a:avLst/>
@@ -140,7 +140,7 @@
         <p:txBody>
           <a:bodyPr/>
           <a:p>
-            <a:fld id="{313F59BC-95F9-4CC4-9BBC-5F2A08B1F45D}" type="slidenum">
+            <a:fld id="{42C692BA-0E59-4D3C-851D-A43EFE0449FB}" type="slidenum">
               <a:t>&lt;#&gt;</a:t>
             </a:fld>
           </a:p>
@@ -189,7 +189,7 @@
         <p:spPr>
           <a:xfrm>
             <a:off x="333000" y="1118520"/>
-            <a:ext cx="11930760" cy="4441320"/>
+            <a:ext cx="11930400" cy="4440960"/>
           </a:xfrm>
           <a:prstGeom prst="rect">
             <a:avLst/>
@@ -213,7 +213,7 @@
         <p:spPr>
           <a:xfrm>
             <a:off x="7068600" y="359640"/>
-            <a:ext cx="1632240" cy="417960"/>
+            <a:ext cx="1631880" cy="417600"/>
           </a:xfrm>
           <a:prstGeom prst="rect">
             <a:avLst/>
@@ -237,7 +237,7 @@
         <p:spPr>
           <a:xfrm>
             <a:off x="457200" y="496800"/>
-            <a:ext cx="8228880" cy="274680"/>
+            <a:ext cx="8228520" cy="274680"/>
           </a:xfrm>
           <a:prstGeom prst="rect">
             <a:avLst/>
@@ -253,7 +253,13 @@
           </a:bodyPr>
           <a:p>
             <a:pPr indent="0">
+              <a:lnSpc>
+                <a:spcPct val="100000"/>
+              </a:lnSpc>
               <a:buNone/>
+              <a:tabLst>
+                <a:tab algn="l" pos="0"/>
+              </a:tabLst>
             </a:pPr>
             <a:r>
               <a:rPr b="0" lang="en-US" sz="1800" strike="noStrike" u="none">
@@ -290,7 +296,7 @@
         <p:spPr>
           <a:xfrm>
             <a:off x="457200" y="1203480"/>
-            <a:ext cx="8228880" cy="2982600"/>
+            <a:ext cx="8228520" cy="2982240"/>
           </a:xfrm>
           <a:prstGeom prst="rect">
             <a:avLst/>
@@ -306,6 +312,9 @@
           </a:bodyPr>
           <a:p>
             <a:pPr marL="432000" indent="-324000">
+              <a:lnSpc>
+                <a:spcPct val="100000"/>
+              </a:lnSpc>
               <a:spcBef>
                 <a:spcPts val="1417"/>
               </a:spcBef>
@@ -338,6 +347,9 @@
           </a:p>
           <a:p>
             <a:pPr lvl="1" marL="864000" indent="-324000">
+              <a:lnSpc>
+                <a:spcPct val="100000"/>
+              </a:lnSpc>
               <a:spcBef>
                 <a:spcPts val="1134"/>
               </a:spcBef>
@@ -370,6 +382,9 @@
           </a:p>
           <a:p>
             <a:pPr lvl="2" marL="1296000" indent="-288000">
+              <a:lnSpc>
+                <a:spcPct val="100000"/>
+              </a:lnSpc>
               <a:spcBef>
                 <a:spcPts val="850"/>
               </a:spcBef>
@@ -402,6 +417,9 @@
           </a:p>
           <a:p>
             <a:pPr lvl="3" marL="1728000" indent="-216000">
+              <a:lnSpc>
+                <a:spcPct val="100000"/>
+              </a:lnSpc>
               <a:spcBef>
                 <a:spcPts val="567"/>
               </a:spcBef>
@@ -434,6 +452,9 @@
           </a:p>
           <a:p>
             <a:pPr lvl="4" marL="2160000" indent="-216000">
+              <a:lnSpc>
+                <a:spcPct val="100000"/>
+              </a:lnSpc>
               <a:spcBef>
                 <a:spcPts val="283"/>
               </a:spcBef>
@@ -466,6 +487,9 @@
           </a:p>
           <a:p>
             <a:pPr lvl="5" marL="2592000" indent="-216000">
+              <a:lnSpc>
+                <a:spcPct val="100000"/>
+              </a:lnSpc>
               <a:spcBef>
                 <a:spcPts val="283"/>
               </a:spcBef>
@@ -498,6 +522,9 @@
           </a:p>
           <a:p>
             <a:pPr lvl="6" marL="3024000" indent="-216000">
+              <a:lnSpc>
+                <a:spcPct val="100000"/>
+              </a:lnSpc>
               <a:spcBef>
                 <a:spcPts val="283"/>
               </a:spcBef>
@@ -543,7 +570,7 @@
         <p:spPr>
           <a:xfrm>
             <a:off x="8704080" y="4816440"/>
-            <a:ext cx="202680" cy="141840"/>
+            <a:ext cx="202320" cy="141480"/>
           </a:xfrm>
           <a:prstGeom prst="rect">
             <a:avLst/>
@@ -587,7 +614,7 @@
                 <a:tab algn="l" pos="0"/>
               </a:tabLst>
             </a:pPr>
-            <a:fld id="{A68903E8-70B6-48A0-B150-4E497E3B92A5}" type="slidenum">
+            <a:fld id="{2BD09E23-455A-4761-8F9B-5E4369BB78B2}" type="slidenum">
               <a:rPr b="0" lang="ru" sz="1100" strike="noStrike" u="none">
                 <a:solidFill>
                   <a:srgbClr val="4d4e4f"/>
@@ -653,7 +680,7 @@
         <p:spPr>
           <a:xfrm>
             <a:off x="333000" y="1118520"/>
-            <a:ext cx="11930760" cy="4441320"/>
+            <a:ext cx="11930400" cy="4440960"/>
           </a:xfrm>
           <a:prstGeom prst="rect">
             <a:avLst/>
@@ -677,7 +704,7 @@
         <p:spPr>
           <a:xfrm>
             <a:off x="7068600" y="359640"/>
-            <a:ext cx="1632240" cy="417960"/>
+            <a:ext cx="1631880" cy="417600"/>
           </a:xfrm>
           <a:prstGeom prst="rect">
             <a:avLst/>
@@ -701,7 +728,7 @@
         <p:spPr>
           <a:xfrm>
             <a:off x="8704080" y="4816440"/>
-            <a:ext cx="202680" cy="141840"/>
+            <a:ext cx="202320" cy="141480"/>
           </a:xfrm>
           <a:prstGeom prst="rect">
             <a:avLst/>
@@ -745,7 +772,7 @@
                 <a:tab algn="l" pos="0"/>
               </a:tabLst>
             </a:pPr>
-            <a:fld id="{D9E76113-2375-4272-BE40-794AD439736F}" type="slidenum">
+            <a:fld id="{9CAF5204-08C8-4EB8-86DA-E1747F335E46}" type="slidenum">
               <a:rPr b="0" lang="ru" sz="1100" strike="noStrike" u="none">
                 <a:solidFill>
                   <a:srgbClr val="4d4e4f"/>
@@ -781,7 +808,7 @@
         <p:spPr>
           <a:xfrm>
             <a:off x="457200" y="205200"/>
-            <a:ext cx="8229240" cy="858600"/>
+            <a:ext cx="8228880" cy="858240"/>
           </a:xfrm>
           <a:prstGeom prst="rect">
             <a:avLst/>
@@ -797,7 +824,13 @@
           </a:bodyPr>
           <a:p>
             <a:pPr indent="0" algn="ctr">
+              <a:lnSpc>
+                <a:spcPct val="100000"/>
+              </a:lnSpc>
               <a:buNone/>
+              <a:tabLst>
+                <a:tab algn="l" pos="0"/>
+              </a:tabLst>
             </a:pPr>
             <a:r>
               <a:rPr b="0" lang="en-US" sz="4400" strike="noStrike" u="none">
@@ -834,7 +867,7 @@
         <p:spPr>
           <a:xfrm>
             <a:off x="457200" y="1203480"/>
-            <a:ext cx="8229240" cy="2982960"/>
+            <a:ext cx="8228880" cy="2982600"/>
           </a:xfrm>
           <a:prstGeom prst="rect">
             <a:avLst/>
@@ -850,6 +883,9 @@
           </a:bodyPr>
           <a:p>
             <a:pPr marL="432000" indent="-324000">
+              <a:lnSpc>
+                <a:spcPct val="100000"/>
+              </a:lnSpc>
               <a:spcBef>
                 <a:spcPts val="1417"/>
               </a:spcBef>
@@ -882,6 +918,9 @@
           </a:p>
           <a:p>
             <a:pPr lvl="1" marL="864000" indent="-324000">
+              <a:lnSpc>
+                <a:spcPct val="100000"/>
+              </a:lnSpc>
               <a:spcBef>
                 <a:spcPts val="1134"/>
               </a:spcBef>
@@ -914,6 +953,9 @@
           </a:p>
           <a:p>
             <a:pPr lvl="2" marL="1296000" indent="-288000">
+              <a:lnSpc>
+                <a:spcPct val="100000"/>
+              </a:lnSpc>
               <a:spcBef>
                 <a:spcPts val="850"/>
               </a:spcBef>
@@ -946,6 +988,9 @@
           </a:p>
           <a:p>
             <a:pPr lvl="3" marL="1728000" indent="-216000">
+              <a:lnSpc>
+                <a:spcPct val="100000"/>
+              </a:lnSpc>
               <a:spcBef>
                 <a:spcPts val="567"/>
               </a:spcBef>
@@ -978,6 +1023,9 @@
           </a:p>
           <a:p>
             <a:pPr lvl="4" marL="2160000" indent="-216000">
+              <a:lnSpc>
+                <a:spcPct val="100000"/>
+              </a:lnSpc>
               <a:spcBef>
                 <a:spcPts val="283"/>
               </a:spcBef>
@@ -1010,6 +1058,9 @@
           </a:p>
           <a:p>
             <a:pPr lvl="5" marL="2592000" indent="-216000">
+              <a:lnSpc>
+                <a:spcPct val="100000"/>
+              </a:lnSpc>
               <a:spcBef>
                 <a:spcPts val="283"/>
               </a:spcBef>
@@ -1042,6 +1093,9 @@
           </a:p>
           <a:p>
             <a:pPr lvl="6" marL="3024000" indent="-216000">
+              <a:lnSpc>
+                <a:spcPct val="100000"/>
+              </a:lnSpc>
               <a:spcBef>
                 <a:spcPts val="283"/>
               </a:spcBef>
@@ -1080,8 +1134,8 @@
 </file>
 
 <file path=ppt/slideLayouts/slideLayout4.xml><?xml version="1.0" encoding="utf-8"?>
-<p:sldLayout xmlns:a="http://schemas.openxmlformats.org/drawingml/2006/main" xmlns:p="http://schemas.openxmlformats.org/presentationml/2006/main" xmlns:r="http://schemas.openxmlformats.org/officeDocument/2006/relationships" xmlns:p14="http://schemas.microsoft.com/office/powerpoint/2010/main" xmlns:p15="http://schemas.microsoft.com/office/powerpoint/2012/main" xmlns:mc="http://schemas.openxmlformats.org/markup-compatibility/2006" type="blank" preserve="1">
-  <p:cSld name="Default">
+<p:sldLayout xmlns:a="http://schemas.openxmlformats.org/drawingml/2006/main" xmlns:p="http://schemas.openxmlformats.org/presentationml/2006/main" xmlns:r="http://schemas.openxmlformats.org/officeDocument/2006/relationships" xmlns:p14="http://schemas.microsoft.com/office/powerpoint/2010/main" xmlns:p15="http://schemas.microsoft.com/office/powerpoint/2012/main" xmlns:mc="http://schemas.openxmlformats.org/markup-compatibility/2006" type="tx" preserve="1">
+  <p:cSld name="Default 1">
     <p:bg>
       <p:bgPr>
         <a:solidFill>
@@ -1117,7 +1171,7 @@
         <p:spPr>
           <a:xfrm>
             <a:off x="333000" y="1118520"/>
-            <a:ext cx="11930760" cy="4441320"/>
+            <a:ext cx="11930400" cy="4440960"/>
           </a:xfrm>
           <a:prstGeom prst="rect">
             <a:avLst/>
@@ -1141,7 +1195,7 @@
         <p:spPr>
           <a:xfrm>
             <a:off x="7068600" y="359640"/>
-            <a:ext cx="1632240" cy="417960"/>
+            <a:ext cx="1631880" cy="417600"/>
           </a:xfrm>
           <a:prstGeom prst="rect">
             <a:avLst/>
@@ -1165,7 +1219,7 @@
         <p:spPr>
           <a:xfrm>
             <a:off x="8704080" y="4816440"/>
-            <a:ext cx="202680" cy="141840"/>
+            <a:ext cx="202320" cy="141480"/>
           </a:xfrm>
           <a:prstGeom prst="rect">
             <a:avLst/>
@@ -1209,7 +1263,7 @@
                 <a:tab algn="l" pos="0"/>
               </a:tabLst>
             </a:pPr>
-            <a:fld id="{CE9D9401-3D78-4E9C-9F03-C4362A608BE2}" type="slidenum">
+            <a:fld id="{3CC68EFA-5897-4A4C-8290-35DFD32B1C68}" type="slidenum">
               <a:rPr b="0" lang="ru" sz="1100" strike="noStrike" u="none">
                 <a:solidFill>
                   <a:srgbClr val="4d4e4f"/>
@@ -1245,7 +1299,7 @@
         <p:spPr>
           <a:xfrm>
             <a:off x="457200" y="205200"/>
-            <a:ext cx="8229240" cy="858600"/>
+            <a:ext cx="8228880" cy="858240"/>
           </a:xfrm>
           <a:prstGeom prst="rect">
             <a:avLst/>
@@ -1261,7 +1315,13 @@
           </a:bodyPr>
           <a:p>
             <a:pPr indent="0" algn="ctr">
+              <a:lnSpc>
+                <a:spcPct val="100000"/>
+              </a:lnSpc>
               <a:buNone/>
+              <a:tabLst>
+                <a:tab algn="l" pos="0"/>
+              </a:tabLst>
             </a:pPr>
             <a:r>
               <a:rPr b="0" lang="en-US" sz="4400" strike="noStrike" u="none">
@@ -1298,7 +1358,7 @@
         <p:spPr>
           <a:xfrm>
             <a:off x="457200" y="1203480"/>
-            <a:ext cx="8229240" cy="2982960"/>
+            <a:ext cx="8228880" cy="2982600"/>
           </a:xfrm>
           <a:prstGeom prst="rect">
             <a:avLst/>
@@ -1314,6 +1374,9 @@
           </a:bodyPr>
           <a:p>
             <a:pPr marL="432000" indent="-324000">
+              <a:lnSpc>
+                <a:spcPct val="100000"/>
+              </a:lnSpc>
               <a:spcBef>
                 <a:spcPts val="1417"/>
               </a:spcBef>
@@ -1346,6 +1409,9 @@
           </a:p>
           <a:p>
             <a:pPr lvl="1" marL="864000" indent="-324000">
+              <a:lnSpc>
+                <a:spcPct val="100000"/>
+              </a:lnSpc>
               <a:spcBef>
                 <a:spcPts val="1134"/>
               </a:spcBef>
@@ -1378,6 +1444,9 @@
           </a:p>
           <a:p>
             <a:pPr lvl="2" marL="1296000" indent="-288000">
+              <a:lnSpc>
+                <a:spcPct val="100000"/>
+              </a:lnSpc>
               <a:spcBef>
                 <a:spcPts val="850"/>
               </a:spcBef>
@@ -1410,6 +1479,9 @@
           </a:p>
           <a:p>
             <a:pPr lvl="3" marL="1728000" indent="-216000">
+              <a:lnSpc>
+                <a:spcPct val="100000"/>
+              </a:lnSpc>
               <a:spcBef>
                 <a:spcPts val="567"/>
               </a:spcBef>
@@ -1442,6 +1514,9 @@
           </a:p>
           <a:p>
             <a:pPr lvl="4" marL="2160000" indent="-216000">
+              <a:lnSpc>
+                <a:spcPct val="100000"/>
+              </a:lnSpc>
               <a:spcBef>
                 <a:spcPts val="283"/>
               </a:spcBef>
@@ -1474,6 +1549,9 @@
           </a:p>
           <a:p>
             <a:pPr lvl="5" marL="2592000" indent="-216000">
+              <a:lnSpc>
+                <a:spcPct val="100000"/>
+              </a:lnSpc>
               <a:spcBef>
                 <a:spcPts val="283"/>
               </a:spcBef>
@@ -1506,6 +1584,9 @@
           </a:p>
           <a:p>
             <a:pPr lvl="6" marL="3024000" indent="-216000">
+              <a:lnSpc>
+                <a:spcPct val="100000"/>
+              </a:lnSpc>
               <a:spcBef>
                 <a:spcPts val="283"/>
               </a:spcBef>
@@ -1544,6 +1625,497 @@
 </file>
 
 <file path=ppt/slideLayouts/slideLayout5.xml><?xml version="1.0" encoding="utf-8"?>
+<p:sldLayout xmlns:a="http://schemas.openxmlformats.org/drawingml/2006/main" xmlns:p="http://schemas.openxmlformats.org/presentationml/2006/main" xmlns:r="http://schemas.openxmlformats.org/officeDocument/2006/relationships" xmlns:p14="http://schemas.microsoft.com/office/powerpoint/2010/main" xmlns:p15="http://schemas.microsoft.com/office/powerpoint/2012/main" xmlns:mc="http://schemas.openxmlformats.org/markup-compatibility/2006" type="blank" preserve="1">
+  <p:cSld name="Default 1">
+    <p:bg>
+      <p:bgPr>
+        <a:solidFill>
+          <a:srgbClr val="ffffff"/>
+        </a:solidFill>
+      </p:bgPr>
+    </p:bg>
+    <p:spTree>
+      <p:nvGrpSpPr>
+        <p:cNvPr id="1" name=""/>
+        <p:cNvGrpSpPr/>
+        <p:nvPr/>
+      </p:nvGrpSpPr>
+      <p:grpSpPr>
+        <a:xfrm>
+          <a:off x="0" y="0"/>
+          <a:ext cx="0" cy="0"/>
+          <a:chOff x="0" y="0"/>
+          <a:chExt cx="0" cy="0"/>
+        </a:xfrm>
+      </p:grpSpPr>
+      <p:pic>
+        <p:nvPicPr>
+          <p:cNvPr id="24" name="Google Shape;6;p1" descr=""/>
+          <p:cNvPicPr/>
+          <p:nvPr/>
+        </p:nvPicPr>
+        <p:blipFill>
+          <a:blip r:embed="rId2"/>
+          <a:srcRect l="0" t="55" r="0" b="55"/>
+          <a:stretch/>
+        </p:blipFill>
+        <p:spPr>
+          <a:xfrm>
+            <a:off x="333000" y="1118520"/>
+            <a:ext cx="11930400" cy="4440960"/>
+          </a:xfrm>
+          <a:prstGeom prst="rect">
+            <a:avLst/>
+          </a:prstGeom>
+          <a:noFill/>
+          <a:ln w="0">
+            <a:noFill/>
+          </a:ln>
+        </p:spPr>
+      </p:pic>
+      <p:pic>
+        <p:nvPicPr>
+          <p:cNvPr id="25" name="Google Shape;8;p1" descr="Image"/>
+          <p:cNvPicPr/>
+          <p:nvPr/>
+        </p:nvPicPr>
+        <p:blipFill>
+          <a:blip r:embed="rId3"/>
+          <a:stretch/>
+        </p:blipFill>
+        <p:spPr>
+          <a:xfrm>
+            <a:off x="7068600" y="359640"/>
+            <a:ext cx="1631880" cy="417600"/>
+          </a:xfrm>
+          <a:prstGeom prst="rect">
+            <a:avLst/>
+          </a:prstGeom>
+          <a:noFill/>
+          <a:ln w="0">
+            <a:noFill/>
+          </a:ln>
+        </p:spPr>
+      </p:pic>
+      <p:sp>
+        <p:nvSpPr>
+          <p:cNvPr id="26" name="PlaceHolder 1"/>
+          <p:cNvSpPr>
+            <a:spLocks noGrp="1"/>
+          </p:cNvSpPr>
+          <p:nvPr>
+            <p:ph type="sldNum" idx="5"/>
+          </p:nvPr>
+        </p:nvSpPr>
+        <p:spPr>
+          <a:xfrm>
+            <a:off x="8704080" y="4816440"/>
+            <a:ext cx="202320" cy="141480"/>
+          </a:xfrm>
+          <a:prstGeom prst="rect">
+            <a:avLst/>
+          </a:prstGeom>
+          <a:noFill/>
+          <a:ln w="0">
+            <a:noFill/>
+          </a:ln>
+        </p:spPr>
+        <p:txBody>
+          <a:bodyPr lIns="19080" rIns="19080" tIns="19080" bIns="19080" anchor="t">
+            <a:noAutofit/>
+          </a:bodyPr>
+          <a:lstStyle>
+            <a:lvl1pPr indent="0" algn="r">
+              <a:lnSpc>
+                <a:spcPct val="100000"/>
+              </a:lnSpc>
+              <a:buNone/>
+              <a:tabLst>
+                <a:tab algn="l" pos="0"/>
+              </a:tabLst>
+              <a:defRPr b="0" lang="ru" sz="1100" strike="noStrike" u="none">
+                <a:solidFill>
+                  <a:srgbClr val="4d4e4f"/>
+                </a:solidFill>
+                <a:effectLst/>
+                <a:uFillTx/>
+                <a:latin typeface="Arial"/>
+                <a:ea typeface="Arial"/>
+              </a:defRPr>
+            </a:lvl1pPr>
+          </a:lstStyle>
+          <a:p>
+            <a:pPr indent="0" algn="r">
+              <a:lnSpc>
+                <a:spcPct val="100000"/>
+              </a:lnSpc>
+              <a:buNone/>
+              <a:tabLst>
+                <a:tab algn="l" pos="0"/>
+              </a:tabLst>
+            </a:pPr>
+            <a:fld id="{B98E1D5B-3AE4-49D2-8DA1-544B6DED8703}" type="slidenum">
+              <a:rPr b="0" lang="ru" sz="1100" strike="noStrike" u="none">
+                <a:solidFill>
+                  <a:srgbClr val="4d4e4f"/>
+                </a:solidFill>
+                <a:effectLst/>
+                <a:uFillTx/>
+                <a:latin typeface="Arial"/>
+                <a:ea typeface="Arial"/>
+              </a:rPr>
+              <a:t>&lt;number&gt;</a:t>
+            </a:fld>
+            <a:endParaRPr b="0" lang="en-US" sz="1100" strike="noStrike" u="none">
+              <a:solidFill>
+                <a:srgbClr val="000000"/>
+              </a:solidFill>
+              <a:effectLst/>
+              <a:uFillTx/>
+              <a:latin typeface="Times New Roman"/>
+            </a:endParaRPr>
+          </a:p>
+        </p:txBody>
+      </p:sp>
+      <p:sp>
+        <p:nvSpPr>
+          <p:cNvPr id="27" name="PlaceHolder 2"/>
+          <p:cNvSpPr>
+            <a:spLocks noGrp="1"/>
+          </p:cNvSpPr>
+          <p:nvPr>
+            <p:ph type="title"/>
+          </p:nvPr>
+        </p:nvSpPr>
+        <p:spPr>
+          <a:xfrm>
+            <a:off x="457200" y="205200"/>
+            <a:ext cx="8228880" cy="858240"/>
+          </a:xfrm>
+          <a:prstGeom prst="rect">
+            <a:avLst/>
+          </a:prstGeom>
+          <a:noFill/>
+          <a:ln w="0">
+            <a:noFill/>
+          </a:ln>
+        </p:spPr>
+        <p:txBody>
+          <a:bodyPr lIns="0" rIns="0" tIns="0" bIns="0" anchor="ctr">
+            <a:noAutofit/>
+          </a:bodyPr>
+          <a:p>
+            <a:pPr indent="0" algn="ctr">
+              <a:lnSpc>
+                <a:spcPct val="100000"/>
+              </a:lnSpc>
+              <a:buNone/>
+              <a:tabLst>
+                <a:tab algn="l" pos="0"/>
+              </a:tabLst>
+            </a:pPr>
+            <a:r>
+              <a:rPr b="0" lang="en-US" sz="4400" strike="noStrike" u="none">
+                <a:solidFill>
+                  <a:srgbClr val="000000"/>
+                </a:solidFill>
+                <a:effectLst/>
+                <a:uFillTx/>
+                <a:latin typeface="Arial"/>
+              </a:rPr>
+              <a:t>Click to edit the title text format</a:t>
+            </a:r>
+            <a:endParaRPr b="0" lang="en-US" sz="4400" strike="noStrike" u="none">
+              <a:solidFill>
+                <a:srgbClr val="000000"/>
+              </a:solidFill>
+              <a:effectLst/>
+              <a:uFillTx/>
+              <a:latin typeface="Arial"/>
+            </a:endParaRPr>
+          </a:p>
+        </p:txBody>
+      </p:sp>
+      <p:sp>
+        <p:nvSpPr>
+          <p:cNvPr id="28" name="PlaceHolder 3"/>
+          <p:cNvSpPr>
+            <a:spLocks noGrp="1"/>
+          </p:cNvSpPr>
+          <p:nvPr>
+            <p:ph type="body"/>
+          </p:nvPr>
+        </p:nvSpPr>
+        <p:spPr>
+          <a:xfrm>
+            <a:off x="457200" y="1203480"/>
+            <a:ext cx="8228880" cy="2982600"/>
+          </a:xfrm>
+          <a:prstGeom prst="rect">
+            <a:avLst/>
+          </a:prstGeom>
+          <a:noFill/>
+          <a:ln w="0">
+            <a:noFill/>
+          </a:ln>
+        </p:spPr>
+        <p:txBody>
+          <a:bodyPr lIns="0" rIns="0" tIns="0" bIns="0" anchor="t">
+            <a:normAutofit/>
+          </a:bodyPr>
+          <a:p>
+            <a:pPr marL="432000" indent="-324000">
+              <a:lnSpc>
+                <a:spcPct val="100000"/>
+              </a:lnSpc>
+              <a:spcBef>
+                <a:spcPts val="1417"/>
+              </a:spcBef>
+              <a:buClr>
+                <a:srgbClr val="000000"/>
+              </a:buClr>
+              <a:buSzPct val="45000"/>
+              <a:buFont typeface="Wingdings" charset="2"/>
+              <a:buChar char=""/>
+            </a:pPr>
+            <a:r>
+              <a:rPr b="0" lang="en-US" sz="3200" strike="noStrike" u="none">
+                <a:solidFill>
+                  <a:srgbClr val="000000"/>
+                </a:solidFill>
+                <a:effectLst/>
+                <a:uFillTx/>
+                <a:latin typeface="Arial"/>
+              </a:rPr>
+              <a:t>Click to edit the outline text format</a:t>
+            </a:r>
+            <a:endParaRPr b="0" lang="en-US" sz="3200" strike="noStrike" u="none">
+              <a:solidFill>
+                <a:srgbClr val="000000"/>
+              </a:solidFill>
+              <a:effectLst/>
+              <a:uFillTx/>
+              <a:latin typeface="Arial"/>
+            </a:endParaRPr>
+          </a:p>
+          <a:p>
+            <a:pPr lvl="1" marL="864000" indent="-324000">
+              <a:lnSpc>
+                <a:spcPct val="100000"/>
+              </a:lnSpc>
+              <a:spcBef>
+                <a:spcPts val="1134"/>
+              </a:spcBef>
+              <a:buClr>
+                <a:srgbClr val="000000"/>
+              </a:buClr>
+              <a:buSzPct val="75000"/>
+              <a:buFont typeface="Symbol" charset="2"/>
+              <a:buChar char=""/>
+            </a:pPr>
+            <a:r>
+              <a:rPr b="0" lang="en-US" sz="2800" strike="noStrike" u="none">
+                <a:solidFill>
+                  <a:srgbClr val="000000"/>
+                </a:solidFill>
+                <a:effectLst/>
+                <a:uFillTx/>
+                <a:latin typeface="Arial"/>
+              </a:rPr>
+              <a:t>Second Outline Level</a:t>
+            </a:r>
+            <a:endParaRPr b="0" lang="en-US" sz="2800" strike="noStrike" u="none">
+              <a:solidFill>
+                <a:srgbClr val="000000"/>
+              </a:solidFill>
+              <a:effectLst/>
+              <a:uFillTx/>
+              <a:latin typeface="Arial"/>
+            </a:endParaRPr>
+          </a:p>
+          <a:p>
+            <a:pPr lvl="2" marL="1296000" indent="-288000">
+              <a:lnSpc>
+                <a:spcPct val="100000"/>
+              </a:lnSpc>
+              <a:spcBef>
+                <a:spcPts val="850"/>
+              </a:spcBef>
+              <a:buClr>
+                <a:srgbClr val="000000"/>
+              </a:buClr>
+              <a:buSzPct val="45000"/>
+              <a:buFont typeface="Wingdings" charset="2"/>
+              <a:buChar char=""/>
+            </a:pPr>
+            <a:r>
+              <a:rPr b="0" lang="en-US" sz="2400" strike="noStrike" u="none">
+                <a:solidFill>
+                  <a:srgbClr val="000000"/>
+                </a:solidFill>
+                <a:effectLst/>
+                <a:uFillTx/>
+                <a:latin typeface="Arial"/>
+              </a:rPr>
+              <a:t>Third Outline Level</a:t>
+            </a:r>
+            <a:endParaRPr b="0" lang="en-US" sz="2400" strike="noStrike" u="none">
+              <a:solidFill>
+                <a:srgbClr val="000000"/>
+              </a:solidFill>
+              <a:effectLst/>
+              <a:uFillTx/>
+              <a:latin typeface="Arial"/>
+            </a:endParaRPr>
+          </a:p>
+          <a:p>
+            <a:pPr lvl="3" marL="1728000" indent="-216000">
+              <a:lnSpc>
+                <a:spcPct val="100000"/>
+              </a:lnSpc>
+              <a:spcBef>
+                <a:spcPts val="567"/>
+              </a:spcBef>
+              <a:buClr>
+                <a:srgbClr val="000000"/>
+              </a:buClr>
+              <a:buSzPct val="75000"/>
+              <a:buFont typeface="Symbol" charset="2"/>
+              <a:buChar char=""/>
+            </a:pPr>
+            <a:r>
+              <a:rPr b="0" lang="en-US" sz="2000" strike="noStrike" u="none">
+                <a:solidFill>
+                  <a:srgbClr val="000000"/>
+                </a:solidFill>
+                <a:effectLst/>
+                <a:uFillTx/>
+                <a:latin typeface="Arial"/>
+              </a:rPr>
+              <a:t>Fourth Outline Level</a:t>
+            </a:r>
+            <a:endParaRPr b="0" lang="en-US" sz="2000" strike="noStrike" u="none">
+              <a:solidFill>
+                <a:srgbClr val="000000"/>
+              </a:solidFill>
+              <a:effectLst/>
+              <a:uFillTx/>
+              <a:latin typeface="Arial"/>
+            </a:endParaRPr>
+          </a:p>
+          <a:p>
+            <a:pPr lvl="4" marL="2160000" indent="-216000">
+              <a:lnSpc>
+                <a:spcPct val="100000"/>
+              </a:lnSpc>
+              <a:spcBef>
+                <a:spcPts val="283"/>
+              </a:spcBef>
+              <a:buClr>
+                <a:srgbClr val="000000"/>
+              </a:buClr>
+              <a:buSzPct val="45000"/>
+              <a:buFont typeface="Wingdings" charset="2"/>
+              <a:buChar char=""/>
+            </a:pPr>
+            <a:r>
+              <a:rPr b="0" lang="en-US" sz="2000" strike="noStrike" u="none">
+                <a:solidFill>
+                  <a:srgbClr val="000000"/>
+                </a:solidFill>
+                <a:effectLst/>
+                <a:uFillTx/>
+                <a:latin typeface="Arial"/>
+              </a:rPr>
+              <a:t>Fifth Outline Level</a:t>
+            </a:r>
+            <a:endParaRPr b="0" lang="en-US" sz="2000" strike="noStrike" u="none">
+              <a:solidFill>
+                <a:srgbClr val="000000"/>
+              </a:solidFill>
+              <a:effectLst/>
+              <a:uFillTx/>
+              <a:latin typeface="Arial"/>
+            </a:endParaRPr>
+          </a:p>
+          <a:p>
+            <a:pPr lvl="5" marL="2592000" indent="-216000">
+              <a:lnSpc>
+                <a:spcPct val="100000"/>
+              </a:lnSpc>
+              <a:spcBef>
+                <a:spcPts val="283"/>
+              </a:spcBef>
+              <a:buClr>
+                <a:srgbClr val="000000"/>
+              </a:buClr>
+              <a:buSzPct val="45000"/>
+              <a:buFont typeface="Wingdings" charset="2"/>
+              <a:buChar char=""/>
+            </a:pPr>
+            <a:r>
+              <a:rPr b="0" lang="en-US" sz="2000" strike="noStrike" u="none">
+                <a:solidFill>
+                  <a:srgbClr val="000000"/>
+                </a:solidFill>
+                <a:effectLst/>
+                <a:uFillTx/>
+                <a:latin typeface="Arial"/>
+              </a:rPr>
+              <a:t>Sixth Outline Level</a:t>
+            </a:r>
+            <a:endParaRPr b="0" lang="en-US" sz="2000" strike="noStrike" u="none">
+              <a:solidFill>
+                <a:srgbClr val="000000"/>
+              </a:solidFill>
+              <a:effectLst/>
+              <a:uFillTx/>
+              <a:latin typeface="Arial"/>
+            </a:endParaRPr>
+          </a:p>
+          <a:p>
+            <a:pPr lvl="6" marL="3024000" indent="-216000">
+              <a:lnSpc>
+                <a:spcPct val="100000"/>
+              </a:lnSpc>
+              <a:spcBef>
+                <a:spcPts val="283"/>
+              </a:spcBef>
+              <a:buClr>
+                <a:srgbClr val="000000"/>
+              </a:buClr>
+              <a:buSzPct val="45000"/>
+              <a:buFont typeface="Wingdings" charset="2"/>
+              <a:buChar char=""/>
+            </a:pPr>
+            <a:r>
+              <a:rPr b="0" lang="en-US" sz="2000" strike="noStrike" u="none">
+                <a:solidFill>
+                  <a:srgbClr val="000000"/>
+                </a:solidFill>
+                <a:effectLst/>
+                <a:uFillTx/>
+                <a:latin typeface="Arial"/>
+              </a:rPr>
+              <a:t>Seventh Outline Level</a:t>
+            </a:r>
+            <a:endParaRPr b="0" lang="en-US" sz="2000" strike="noStrike" u="none">
+              <a:solidFill>
+                <a:srgbClr val="000000"/>
+              </a:solidFill>
+              <a:effectLst/>
+              <a:uFillTx/>
+              <a:latin typeface="Arial"/>
+            </a:endParaRPr>
+          </a:p>
+        </p:txBody>
+      </p:sp>
+    </p:spTree>
+  </p:cSld>
+</p:sldLayout>
+</file>
+
+<file path=ppt/slideLayouts/slideLayout6.xml><?xml version="1.0" encoding="utf-8"?>
 <p:sldLayout xmlns:a="http://schemas.openxmlformats.org/drawingml/2006/main" xmlns:p="http://schemas.openxmlformats.org/presentationml/2006/main" xmlns:r="http://schemas.openxmlformats.org/officeDocument/2006/relationships" xmlns:p14="http://schemas.microsoft.com/office/powerpoint/2010/main" xmlns:p15="http://schemas.microsoft.com/office/powerpoint/2012/main" xmlns:mc="http://schemas.openxmlformats.org/markup-compatibility/2006" type="blank" preserve="1">
   <p:cSld name="Content_">
     <p:spTree>
@@ -1567,14 +2139,14 @@
             <a:spLocks noGrp="1"/>
           </p:cNvSpPr>
           <p:nvPr>
-            <p:ph type="sldNum" idx="5"/>
+            <p:ph type="sldNum" idx="6"/>
           </p:nvPr>
         </p:nvSpPr>
         <p:spPr/>
         <p:txBody>
           <a:bodyPr/>
           <a:p>
-            <a:fld id="{414A14A4-FFBA-437A-ABA4-2C3E81C44AB3}" type="slidenum">
+            <a:fld id="{8308BAC3-A594-445D-B362-CDAA708A1762}" type="slidenum">
               <a:t>&lt;#&gt;</a:t>
             </a:fld>
           </a:p>
@@ -1631,7 +2203,7 @@
         <p:spPr>
           <a:xfrm>
             <a:off x="333000" y="1118520"/>
-            <a:ext cx="11930760" cy="4441320"/>
+            <a:ext cx="11930400" cy="4440960"/>
           </a:xfrm>
           <a:prstGeom prst="rect">
             <a:avLst/>
@@ -1655,7 +2227,7 @@
         <p:spPr>
           <a:xfrm>
             <a:off x="7068600" y="359640"/>
-            <a:ext cx="1632240" cy="417960"/>
+            <a:ext cx="1631880" cy="417600"/>
           </a:xfrm>
           <a:prstGeom prst="rect">
             <a:avLst/>
@@ -1680,7 +2252,7 @@
         <p:spPr>
           <a:xfrm>
             <a:off x="333000" y="1118520"/>
-            <a:ext cx="11930760" cy="4441320"/>
+            <a:ext cx="11930400" cy="4440960"/>
           </a:xfrm>
           <a:prstGeom prst="rect">
             <a:avLst/>
@@ -1704,7 +2276,7 @@
         <p:spPr>
           <a:xfrm>
             <a:off x="7072200" y="359640"/>
-            <a:ext cx="1633680" cy="418320"/>
+            <a:ext cx="1633320" cy="417960"/>
           </a:xfrm>
           <a:prstGeom prst="rect">
             <a:avLst/>
@@ -2034,7 +2606,7 @@
         <p:spPr>
           <a:xfrm>
             <a:off x="8709480" y="4822200"/>
-            <a:ext cx="202680" cy="141840"/>
+            <a:ext cx="202320" cy="141480"/>
           </a:xfrm>
           <a:prstGeom prst="rect">
             <a:avLst/>
@@ -2078,7 +2650,7 @@
                 <a:tab algn="l" pos="0"/>
               </a:tabLst>
             </a:pPr>
-            <a:fld id="{FB345E98-702F-455B-9D38-CB33883EAAB5}" type="slidenum">
+            <a:fld id="{83B75F3F-8488-4B68-A2AC-F939CC1150B2}" type="slidenum">
               <a:rPr b="0" lang="ru" sz="1100" strike="noStrike" u="none">
                 <a:solidFill>
                   <a:srgbClr val="4d4e4f"/>
@@ -2134,11 +2706,12 @@
     <p:sldLayoutId id="2147483651" r:id="rId2"/>
     <p:sldLayoutId id="2147483652" r:id="rId3"/>
     <p:sldLayoutId id="2147483653" r:id="rId4"/>
+    <p:sldLayoutId id="2147483654" r:id="rId5"/>
   </p:sldLayoutIdLst>
 </p:sldMaster>
 </file>
 
-<file path=ppt/slideMasters/slideMaster4.xml><?xml version="1.0" encoding="utf-8"?>
+<file path=ppt/slideMasters/slideMaster5.xml><?xml version="1.0" encoding="utf-8"?>
 <p:sldMaster xmlns:a="http://schemas.openxmlformats.org/drawingml/2006/main" xmlns:p="http://schemas.openxmlformats.org/presentationml/2006/main" xmlns:r="http://schemas.openxmlformats.org/officeDocument/2006/relationships" xmlns:p14="http://schemas.microsoft.com/office/powerpoint/2010/main" xmlns:p15="http://schemas.microsoft.com/office/powerpoint/2012/main" xmlns:mc="http://schemas.openxmlformats.org/markup-compatibility/2006">
   <p:cSld>
     <p:bg>
@@ -2164,7 +2737,7 @@
       </p:grpSpPr>
       <p:pic>
         <p:nvPicPr>
-          <p:cNvPr id="24" name="Google Shape;6;p1" descr=""/>
+          <p:cNvPr id="29" name="Google Shape;6;p1" descr=""/>
           <p:cNvPicPr/>
           <p:nvPr/>
         </p:nvPicPr>
@@ -2176,7 +2749,7 @@
         <p:spPr>
           <a:xfrm>
             <a:off x="333000" y="1118520"/>
-            <a:ext cx="11931840" cy="4442400"/>
+            <a:ext cx="11931480" cy="4442040"/>
           </a:xfrm>
           <a:prstGeom prst="rect">
             <a:avLst/>
@@ -2189,7 +2762,7 @@
       </p:pic>
       <p:pic>
         <p:nvPicPr>
-          <p:cNvPr id="25" name="Google Shape;8;p1" descr="Image"/>
+          <p:cNvPr id="30" name="Google Shape;8;p1" descr="Image"/>
           <p:cNvPicPr/>
           <p:nvPr/>
         </p:nvPicPr>
@@ -2200,7 +2773,7 @@
         <p:spPr>
           <a:xfrm>
             <a:off x="7068600" y="359640"/>
-            <a:ext cx="1633320" cy="419040"/>
+            <a:ext cx="1632960" cy="418680"/>
           </a:xfrm>
           <a:prstGeom prst="rect">
             <a:avLst/>
@@ -2213,18 +2786,18 @@
       </p:pic>
       <p:sp>
         <p:nvSpPr>
-          <p:cNvPr id="26" name="PlaceHolder 1"/>
+          <p:cNvPr id="31" name="PlaceHolder 1"/>
           <p:cNvSpPr>
             <a:spLocks noGrp="1"/>
           </p:cNvSpPr>
           <p:nvPr>
-            <p:ph type="sldNum" idx="5"/>
+            <p:ph type="sldNum" idx="6"/>
           </p:nvPr>
         </p:nvSpPr>
         <p:spPr>
           <a:xfrm>
             <a:off x="8704080" y="4816440"/>
-            <a:ext cx="203760" cy="142920"/>
+            <a:ext cx="203400" cy="142560"/>
           </a:xfrm>
           <a:prstGeom prst="rect">
             <a:avLst/>
@@ -2268,7 +2841,7 @@
                 <a:tab algn="l" pos="0"/>
               </a:tabLst>
             </a:pPr>
-            <a:fld id="{4FCB03A8-C66F-44D3-9E8B-48AA82DA9372}" type="slidenum">
+            <a:fld id="{6FBC4930-02D0-4DCE-83C2-0F08270BD1EF}" type="slidenum">
               <a:rPr b="0" lang="ru" sz="1100" strike="noStrike" u="none">
                 <a:solidFill>
                   <a:srgbClr val="4d4e4f"/>
@@ -2293,7 +2866,7 @@
       </p:sp>
       <p:sp>
         <p:nvSpPr>
-          <p:cNvPr id="27" name="PlaceHolder 2"/>
+          <p:cNvPr id="32" name="PlaceHolder 2"/>
           <p:cNvSpPr>
             <a:spLocks noGrp="1"/>
           </p:cNvSpPr>
@@ -2346,7 +2919,7 @@
       </p:sp>
       <p:sp>
         <p:nvSpPr>
-          <p:cNvPr id="28" name="PlaceHolder 3"/>
+          <p:cNvPr id="33" name="PlaceHolder 3"/>
           <p:cNvSpPr>
             <a:spLocks noGrp="1"/>
           </p:cNvSpPr>
@@ -2601,7 +3174,7 @@
   </p:cSld>
   <p:clrMap bg1="lt1" tx1="dk1" bg2="lt2" tx2="dk2" accent1="accent1" accent2="accent2" accent3="accent3" accent4="accent4" accent5="accent5" accent6="accent6" hlink="hlink" folHlink="folHlink"/>
   <p:sldLayoutIdLst>
-    <p:sldLayoutId id="2147483655" r:id="rId4"/>
+    <p:sldLayoutId id="2147483656" r:id="rId4"/>
   </p:sldLayoutIdLst>
 </p:sldMaster>
 </file>
@@ -2625,7 +3198,7 @@
       </p:grpSpPr>
       <p:sp>
         <p:nvSpPr>
-          <p:cNvPr id="29" name="PlaceHolder 1"/>
+          <p:cNvPr id="34" name="PlaceHolder 1"/>
           <p:cNvSpPr>
             <a:spLocks noGrp="1"/>
           </p:cNvSpPr>
@@ -2636,7 +3209,7 @@
         <p:spPr>
           <a:xfrm>
             <a:off x="457200" y="1371600"/>
-            <a:ext cx="6267240" cy="1036440"/>
+            <a:ext cx="6266880" cy="1036080"/>
           </a:xfrm>
           <a:prstGeom prst="rect">
             <a:avLst/>
@@ -2706,14 +3279,14 @@
       </p:sp>
       <p:sp>
         <p:nvSpPr>
-          <p:cNvPr id="30" name="PlaceHolder 4"/>
+          <p:cNvPr id="35" name="PlaceHolder 4"/>
           <p:cNvSpPr/>
           <p:nvPr/>
         </p:nvSpPr>
         <p:spPr>
           <a:xfrm>
             <a:off x="457200" y="457200"/>
-            <a:ext cx="5713920" cy="442800"/>
+            <a:ext cx="5713560" cy="442440"/>
           </a:xfrm>
           <a:prstGeom prst="rect">
             <a:avLst/>
@@ -2767,14 +3340,14 @@
       </p:sp>
       <p:sp>
         <p:nvSpPr>
-          <p:cNvPr id="31" name="PlaceHolder 5"/>
+          <p:cNvPr id="36" name="PlaceHolder 5"/>
           <p:cNvSpPr/>
           <p:nvPr/>
         </p:nvSpPr>
         <p:spPr>
           <a:xfrm>
             <a:off x="457200" y="2848680"/>
-            <a:ext cx="6267240" cy="1036440"/>
+            <a:ext cx="6266880" cy="1036080"/>
           </a:xfrm>
           <a:prstGeom prst="rect">
             <a:avLst/>
@@ -2879,14 +3452,14 @@
       </p:sp>
       <p:sp>
         <p:nvSpPr>
-          <p:cNvPr id="32" name="PlaceHolder 3"/>
+          <p:cNvPr id="37" name="PlaceHolder 3"/>
           <p:cNvSpPr/>
           <p:nvPr/>
         </p:nvSpPr>
         <p:spPr>
           <a:xfrm>
             <a:off x="4247280" y="4800600"/>
-            <a:ext cx="1009440" cy="227520"/>
+            <a:ext cx="1009080" cy="227160"/>
           </a:xfrm>
           <a:prstGeom prst="rect">
             <a:avLst/>
@@ -2976,7 +3549,7 @@
       </p:grpSpPr>
       <p:sp>
         <p:nvSpPr>
-          <p:cNvPr id="33" name="PlaceHolder 1"/>
+          <p:cNvPr id="38" name="PlaceHolder 1"/>
           <p:cNvSpPr>
             <a:spLocks noGrp="1"/>
           </p:cNvSpPr>
@@ -2987,7 +3560,7 @@
         <p:spPr>
           <a:xfrm>
             <a:off x="442800" y="337680"/>
-            <a:ext cx="6253560" cy="438120"/>
+            <a:ext cx="6253200" cy="437760"/>
           </a:xfrm>
           <a:prstGeom prst="rect">
             <a:avLst/>
@@ -3036,18 +3609,18 @@
       </p:sp>
       <p:sp>
         <p:nvSpPr>
-          <p:cNvPr id="34" name="PlaceHolder 2"/>
+          <p:cNvPr id="39" name="PlaceHolder 2"/>
           <p:cNvSpPr>
             <a:spLocks noGrp="1"/>
           </p:cNvSpPr>
           <p:nvPr>
-            <p:ph type="sldNum" idx="6"/>
+            <p:ph type="sldNum" idx="7"/>
           </p:nvPr>
         </p:nvSpPr>
         <p:spPr>
           <a:xfrm>
             <a:off x="8704080" y="4816440"/>
-            <a:ext cx="203760" cy="142920"/>
+            <a:ext cx="203400" cy="142560"/>
           </a:xfrm>
           <a:prstGeom prst="rect">
             <a:avLst/>
@@ -3091,7 +3664,7 @@
                 <a:tab algn="l" pos="0"/>
               </a:tabLst>
             </a:pPr>
-            <a:fld id="{D80B7C76-744F-4D29-9D9E-A93113B73A61}" type="slidenum">
+            <a:fld id="{DB4F689C-31DA-4B39-B14D-03C993191774}" type="slidenum">
               <a:rPr b="0" lang="ru" sz="1100" strike="noStrike" u="none">
                 <a:solidFill>
                   <a:srgbClr val="4d4e4f"/>
@@ -3116,14 +3689,14 @@
       </p:sp>
       <p:sp>
         <p:nvSpPr>
-          <p:cNvPr id="35" name="PlaceHolder 22"/>
+          <p:cNvPr id="40" name="PlaceHolder 22"/>
           <p:cNvSpPr/>
           <p:nvPr/>
         </p:nvSpPr>
         <p:spPr>
           <a:xfrm>
             <a:off x="424800" y="1143000"/>
-            <a:ext cx="8262000" cy="3199680"/>
+            <a:ext cx="8261640" cy="3199320"/>
           </a:xfrm>
           <a:prstGeom prst="rect">
             <a:avLst/>
@@ -3381,7 +3954,7 @@
       </p:grpSpPr>
       <p:sp>
         <p:nvSpPr>
-          <p:cNvPr id="36" name="PlaceHolder 1"/>
+          <p:cNvPr id="41" name="PlaceHolder 1"/>
           <p:cNvSpPr>
             <a:spLocks noGrp="1"/>
           </p:cNvSpPr>
@@ -3392,7 +3965,7 @@
         <p:spPr>
           <a:xfrm>
             <a:off x="442800" y="337680"/>
-            <a:ext cx="6253560" cy="438120"/>
+            <a:ext cx="6253200" cy="437760"/>
           </a:xfrm>
           <a:prstGeom prst="rect">
             <a:avLst/>
@@ -3441,18 +4014,18 @@
       </p:sp>
       <p:sp>
         <p:nvSpPr>
-          <p:cNvPr id="37" name="PlaceHolder 2"/>
+          <p:cNvPr id="42" name="PlaceHolder 2"/>
           <p:cNvSpPr>
             <a:spLocks noGrp="1"/>
           </p:cNvSpPr>
           <p:nvPr>
-            <p:ph type="sldNum" idx="7"/>
+            <p:ph type="sldNum" idx="8"/>
           </p:nvPr>
         </p:nvSpPr>
         <p:spPr>
           <a:xfrm>
             <a:off x="8704080" y="4816440"/>
-            <a:ext cx="203760" cy="142920"/>
+            <a:ext cx="203400" cy="142560"/>
           </a:xfrm>
           <a:prstGeom prst="rect">
             <a:avLst/>
@@ -3496,7 +4069,7 @@
                 <a:tab algn="l" pos="0"/>
               </a:tabLst>
             </a:pPr>
-            <a:fld id="{48640DA1-65D7-46B0-AE5C-F2C17A134A91}" type="slidenum">
+            <a:fld id="{19EEF5EA-AFB0-4DBA-921D-2A0F5DC8E239}" type="slidenum">
               <a:rPr b="0" lang="ru" sz="1100" strike="noStrike" u="none">
                 <a:solidFill>
                   <a:srgbClr val="4d4e4f"/>
@@ -3521,14 +4094,14 @@
       </p:sp>
       <p:sp>
         <p:nvSpPr>
-          <p:cNvPr id="38" name="PlaceHolder 8"/>
+          <p:cNvPr id="43" name="PlaceHolder 8"/>
           <p:cNvSpPr/>
           <p:nvPr/>
         </p:nvSpPr>
         <p:spPr>
           <a:xfrm>
             <a:off x="457200" y="1143000"/>
-            <a:ext cx="8262000" cy="3199680"/>
+            <a:ext cx="8261640" cy="3199320"/>
           </a:xfrm>
           <a:prstGeom prst="rect">
             <a:avLst/>
@@ -3651,7 +4224,7 @@
                 <a:latin typeface="Arial"/>
                 <a:ea typeface="Arial"/>
               </a:rPr>
-              <a:t>Отсутствие безопасности работы с памятью;</a:t>
+              <a:t>Низкий уровень безопасности при работе с памятью;</a:t>
             </a:r>
             <a:endParaRPr b="0" lang="en-US" sz="2000" strike="noStrike" u="none">
               <a:solidFill>
@@ -3804,7 +4377,7 @@
       </p:grpSpPr>
       <p:sp>
         <p:nvSpPr>
-          <p:cNvPr id="39" name="PlaceHolder 1"/>
+          <p:cNvPr id="44" name="PlaceHolder 1"/>
           <p:cNvSpPr>
             <a:spLocks noGrp="1"/>
           </p:cNvSpPr>
@@ -3815,7 +4388,7 @@
         <p:spPr>
           <a:xfrm>
             <a:off x="442800" y="337680"/>
-            <a:ext cx="6253560" cy="438120"/>
+            <a:ext cx="6253200" cy="437760"/>
           </a:xfrm>
           <a:prstGeom prst="rect">
             <a:avLst/>
@@ -3864,18 +4437,18 @@
       </p:sp>
       <p:sp>
         <p:nvSpPr>
-          <p:cNvPr id="40" name="PlaceHolder 2"/>
+          <p:cNvPr id="45" name="PlaceHolder 2"/>
           <p:cNvSpPr>
             <a:spLocks noGrp="1"/>
           </p:cNvSpPr>
           <p:nvPr>
-            <p:ph type="sldNum" idx="8"/>
+            <p:ph type="sldNum" idx="9"/>
           </p:nvPr>
         </p:nvSpPr>
         <p:spPr>
           <a:xfrm>
             <a:off x="8704080" y="4816440"/>
-            <a:ext cx="203760" cy="142920"/>
+            <a:ext cx="203400" cy="142560"/>
           </a:xfrm>
           <a:prstGeom prst="rect">
             <a:avLst/>
@@ -3919,7 +4492,7 @@
                 <a:tab algn="l" pos="0"/>
               </a:tabLst>
             </a:pPr>
-            <a:fld id="{882D3E29-ED54-43F6-A445-4250B65B1ED9}" type="slidenum">
+            <a:fld id="{19D86C8C-5F08-4EE5-88DA-8B9E5543CBC3}" type="slidenum">
               <a:rPr b="0" lang="ru" sz="1100" strike="noStrike" u="none">
                 <a:solidFill>
                   <a:srgbClr val="4d4e4f"/>
@@ -3944,14 +4517,14 @@
       </p:sp>
       <p:sp>
         <p:nvSpPr>
-          <p:cNvPr id="41" name="PlaceHolder 11"/>
+          <p:cNvPr id="46" name="PlaceHolder 11"/>
           <p:cNvSpPr/>
           <p:nvPr/>
         </p:nvSpPr>
         <p:spPr>
           <a:xfrm>
             <a:off x="457200" y="1143000"/>
-            <a:ext cx="8262000" cy="3199680"/>
+            <a:ext cx="8261640" cy="3199320"/>
           </a:xfrm>
           <a:prstGeom prst="rect">
             <a:avLst/>
@@ -4197,7 +4770,7 @@
       </p:sp>
       <p:pic>
         <p:nvPicPr>
-          <p:cNvPr id="42" name="" descr=""/>
+          <p:cNvPr id="47" name="" descr=""/>
           <p:cNvPicPr/>
           <p:nvPr/>
         </p:nvPicPr>
@@ -4208,7 +4781,7 @@
         <p:spPr>
           <a:xfrm>
             <a:off x="3886200" y="3062160"/>
-            <a:ext cx="3656880" cy="1967040"/>
+            <a:ext cx="3656520" cy="1966680"/>
           </a:xfrm>
           <a:prstGeom prst="rect">
             <a:avLst/>
@@ -4251,7 +4824,7 @@
       </p:grpSpPr>
       <p:sp>
         <p:nvSpPr>
-          <p:cNvPr id="43" name="PlaceHolder 1"/>
+          <p:cNvPr id="48" name="PlaceHolder 1"/>
           <p:cNvSpPr>
             <a:spLocks noGrp="1"/>
           </p:cNvSpPr>
@@ -4262,7 +4835,7 @@
         <p:spPr>
           <a:xfrm>
             <a:off x="442800" y="337680"/>
-            <a:ext cx="6253560" cy="438120"/>
+            <a:ext cx="6253200" cy="437760"/>
           </a:xfrm>
           <a:prstGeom prst="rect">
             <a:avLst/>
@@ -4311,18 +4884,18 @@
       </p:sp>
       <p:sp>
         <p:nvSpPr>
-          <p:cNvPr id="44" name="PlaceHolder 2"/>
+          <p:cNvPr id="49" name="PlaceHolder 2"/>
           <p:cNvSpPr>
             <a:spLocks noGrp="1"/>
           </p:cNvSpPr>
           <p:nvPr>
-            <p:ph type="sldNum" idx="9"/>
+            <p:ph type="sldNum" idx="10"/>
           </p:nvPr>
         </p:nvSpPr>
         <p:spPr>
           <a:xfrm>
             <a:off x="8704080" y="4816440"/>
-            <a:ext cx="203760" cy="142920"/>
+            <a:ext cx="203400" cy="142560"/>
           </a:xfrm>
           <a:prstGeom prst="rect">
             <a:avLst/>
@@ -4366,7 +4939,7 @@
                 <a:tab algn="l" pos="0"/>
               </a:tabLst>
             </a:pPr>
-            <a:fld id="{73C89119-A0E4-45FC-80AE-79B55B04658C}" type="slidenum">
+            <a:fld id="{8258C729-BC29-42FE-9582-3BB2C21973A6}" type="slidenum">
               <a:rPr b="0" lang="ru" sz="1100" strike="noStrike" u="none">
                 <a:solidFill>
                   <a:srgbClr val="4d4e4f"/>
@@ -4391,14 +4964,14 @@
       </p:sp>
       <p:sp>
         <p:nvSpPr>
-          <p:cNvPr id="45" name="PlaceHolder 18"/>
+          <p:cNvPr id="50" name="PlaceHolder 18"/>
           <p:cNvSpPr/>
           <p:nvPr/>
         </p:nvSpPr>
         <p:spPr>
           <a:xfrm>
             <a:off x="424800" y="914400"/>
-            <a:ext cx="8262000" cy="3199680"/>
+            <a:ext cx="8261640" cy="3199320"/>
           </a:xfrm>
           <a:prstGeom prst="rect">
             <a:avLst/>
@@ -4870,7 +5443,7 @@
       </p:grpSpPr>
       <p:sp>
         <p:nvSpPr>
-          <p:cNvPr id="46" name="PlaceHolder 1"/>
+          <p:cNvPr id="51" name="PlaceHolder 1"/>
           <p:cNvSpPr>
             <a:spLocks noGrp="1"/>
           </p:cNvSpPr>
@@ -4881,7 +5454,7 @@
         <p:spPr>
           <a:xfrm>
             <a:off x="442800" y="337680"/>
-            <a:ext cx="6252480" cy="437040"/>
+            <a:ext cx="6252120" cy="436680"/>
           </a:xfrm>
           <a:prstGeom prst="rect">
             <a:avLst/>
@@ -4930,18 +5503,18 @@
       </p:sp>
       <p:sp>
         <p:nvSpPr>
-          <p:cNvPr id="47" name="PlaceHolder 2"/>
+          <p:cNvPr id="52" name="PlaceHolder 2"/>
           <p:cNvSpPr>
             <a:spLocks noGrp="1"/>
           </p:cNvSpPr>
           <p:nvPr>
-            <p:ph type="sldNum" idx="10"/>
+            <p:ph type="sldNum" idx="11"/>
           </p:nvPr>
         </p:nvSpPr>
         <p:spPr>
           <a:xfrm>
             <a:off x="8704080" y="4816440"/>
-            <a:ext cx="202680" cy="141840"/>
+            <a:ext cx="202320" cy="141480"/>
           </a:xfrm>
           <a:prstGeom prst="rect">
             <a:avLst/>
@@ -4985,7 +5558,7 @@
                 <a:tab algn="l" pos="0"/>
               </a:tabLst>
             </a:pPr>
-            <a:fld id="{BDD0F32C-F869-44CC-B8E1-781D422D0F31}" type="slidenum">
+            <a:fld id="{9779DC32-CC93-4E3C-BF75-9BF28DFD7902}" type="slidenum">
               <a:rPr b="0" lang="ru" sz="1100" strike="noStrike" u="none">
                 <a:solidFill>
                   <a:srgbClr val="4d4e4f"/>
@@ -5010,7 +5583,7 @@
       </p:sp>
       <p:pic>
         <p:nvPicPr>
-          <p:cNvPr id="48" name="" descr=""/>
+          <p:cNvPr id="53" name="" descr=""/>
           <p:cNvPicPr/>
           <p:nvPr/>
         </p:nvPicPr>
@@ -5021,7 +5594,7 @@
         <p:spPr>
           <a:xfrm>
             <a:off x="1600200" y="775440"/>
-            <a:ext cx="5714280" cy="4093920"/>
+            <a:ext cx="5713920" cy="4093560"/>
           </a:xfrm>
           <a:prstGeom prst="rect">
             <a:avLst/>
@@ -5064,7 +5637,7 @@
       </p:grpSpPr>
       <p:sp>
         <p:nvSpPr>
-          <p:cNvPr id="49" name="PlaceHolder 1"/>
+          <p:cNvPr id="54" name="PlaceHolder 1"/>
           <p:cNvSpPr>
             <a:spLocks noGrp="1"/>
           </p:cNvSpPr>
@@ -5075,7 +5648,7 @@
         <p:spPr>
           <a:xfrm>
             <a:off x="442800" y="337680"/>
-            <a:ext cx="6252480" cy="437040"/>
+            <a:ext cx="6252120" cy="436680"/>
           </a:xfrm>
           <a:prstGeom prst="rect">
             <a:avLst/>
@@ -5124,18 +5697,18 @@
       </p:sp>
       <p:sp>
         <p:nvSpPr>
-          <p:cNvPr id="50" name="PlaceHolder 2"/>
+          <p:cNvPr id="55" name="PlaceHolder 2"/>
           <p:cNvSpPr>
             <a:spLocks noGrp="1"/>
           </p:cNvSpPr>
           <p:nvPr>
-            <p:ph type="sldNum" idx="11"/>
+            <p:ph type="sldNum" idx="12"/>
           </p:nvPr>
         </p:nvSpPr>
         <p:spPr>
           <a:xfrm>
             <a:off x="8704080" y="4816440"/>
-            <a:ext cx="202680" cy="141840"/>
+            <a:ext cx="202320" cy="141480"/>
           </a:xfrm>
           <a:prstGeom prst="rect">
             <a:avLst/>
@@ -5179,7 +5752,7 @@
                 <a:tab algn="l" pos="0"/>
               </a:tabLst>
             </a:pPr>
-            <a:fld id="{8083DDC5-1FB2-477E-B5E5-8D33AE7A1F8A}" type="slidenum">
+            <a:fld id="{44AF3BA5-7547-4B0C-965B-232A123BBE0D}" type="slidenum">
               <a:rPr b="0" lang="ru" sz="1100" strike="noStrike" u="none">
                 <a:solidFill>
                   <a:srgbClr val="4d4e4f"/>
@@ -5204,7 +5777,7 @@
       </p:sp>
       <p:pic>
         <p:nvPicPr>
-          <p:cNvPr id="51" name="" descr=""/>
+          <p:cNvPr id="56" name="" descr=""/>
           <p:cNvPicPr/>
           <p:nvPr/>
         </p:nvPicPr>
@@ -5215,7 +5788,7 @@
         <p:spPr>
           <a:xfrm>
             <a:off x="457200" y="1371600"/>
-            <a:ext cx="3885480" cy="2914200"/>
+            <a:ext cx="3885120" cy="2913840"/>
           </a:xfrm>
           <a:prstGeom prst="rect">
             <a:avLst/>
@@ -5228,7 +5801,7 @@
       </p:pic>
       <p:pic>
         <p:nvPicPr>
-          <p:cNvPr id="52" name="" descr=""/>
+          <p:cNvPr id="57" name="" descr=""/>
           <p:cNvPicPr/>
           <p:nvPr/>
         </p:nvPicPr>
@@ -5239,7 +5812,7 @@
         <p:spPr>
           <a:xfrm>
             <a:off x="4800600" y="1371600"/>
-            <a:ext cx="3885480" cy="2914200"/>
+            <a:ext cx="3885120" cy="2913840"/>
           </a:xfrm>
           <a:prstGeom prst="rect">
             <a:avLst/>
@@ -5282,7 +5855,7 @@
       </p:grpSpPr>
       <p:sp>
         <p:nvSpPr>
-          <p:cNvPr id="53" name="PlaceHolder 1"/>
+          <p:cNvPr id="58" name="PlaceHolder 1"/>
           <p:cNvSpPr>
             <a:spLocks noGrp="1"/>
           </p:cNvSpPr>
@@ -5293,7 +5866,7 @@
         <p:spPr>
           <a:xfrm>
             <a:off x="442800" y="337680"/>
-            <a:ext cx="6253560" cy="438120"/>
+            <a:ext cx="6253200" cy="437760"/>
           </a:xfrm>
           <a:prstGeom prst="rect">
             <a:avLst/>
@@ -5342,18 +5915,18 @@
       </p:sp>
       <p:sp>
         <p:nvSpPr>
-          <p:cNvPr id="54" name="PlaceHolder 2"/>
+          <p:cNvPr id="59" name="PlaceHolder 2"/>
           <p:cNvSpPr>
             <a:spLocks noGrp="1"/>
           </p:cNvSpPr>
           <p:nvPr>
-            <p:ph type="sldNum" idx="12"/>
+            <p:ph type="sldNum" idx="13"/>
           </p:nvPr>
         </p:nvSpPr>
         <p:spPr>
           <a:xfrm>
             <a:off x="8704080" y="4816440"/>
-            <a:ext cx="203760" cy="142920"/>
+            <a:ext cx="203400" cy="142560"/>
           </a:xfrm>
           <a:prstGeom prst="rect">
             <a:avLst/>
@@ -5397,7 +5970,7 @@
                 <a:tab algn="l" pos="0"/>
               </a:tabLst>
             </a:pPr>
-            <a:fld id="{F8A3983E-9280-40AA-9650-C37C10CEB0A9}" type="slidenum">
+            <a:fld id="{E8C63BC3-070A-4099-B942-990240FFB554}" type="slidenum">
               <a:rPr b="0" lang="ru" sz="1100" strike="noStrike" u="none">
                 <a:solidFill>
                   <a:srgbClr val="4d4e4f"/>
@@ -5422,14 +5995,14 @@
       </p:sp>
       <p:sp>
         <p:nvSpPr>
-          <p:cNvPr id="55" name="PlaceHolder 24"/>
+          <p:cNvPr id="60" name="PlaceHolder 24"/>
           <p:cNvSpPr/>
           <p:nvPr/>
         </p:nvSpPr>
         <p:spPr>
           <a:xfrm>
             <a:off x="424800" y="1143000"/>
-            <a:ext cx="8262000" cy="3199680"/>
+            <a:ext cx="8261640" cy="3199320"/>
           </a:xfrm>
           <a:prstGeom prst="rect">
             <a:avLst/>
@@ -5657,7 +6230,7 @@
       </p:grpSpPr>
       <p:sp>
         <p:nvSpPr>
-          <p:cNvPr id="56" name="PlaceHolder 1"/>
+          <p:cNvPr id="61" name="PlaceHolder 1"/>
           <p:cNvSpPr>
             <a:spLocks noGrp="1"/>
           </p:cNvSpPr>
@@ -5668,7 +6241,7 @@
         <p:spPr>
           <a:xfrm>
             <a:off x="2514600" y="2302920"/>
-            <a:ext cx="6252480" cy="437040"/>
+            <a:ext cx="6252120" cy="436680"/>
           </a:xfrm>
           <a:prstGeom prst="rect">
             <a:avLst/>
@@ -5717,18 +6290,18 @@
       </p:sp>
       <p:sp>
         <p:nvSpPr>
-          <p:cNvPr id="57" name="PlaceHolder 2"/>
+          <p:cNvPr id="62" name="PlaceHolder 2"/>
           <p:cNvSpPr>
             <a:spLocks noGrp="1"/>
           </p:cNvSpPr>
           <p:nvPr>
-            <p:ph type="sldNum" idx="13"/>
+            <p:ph type="sldNum" idx="14"/>
           </p:nvPr>
         </p:nvSpPr>
         <p:spPr>
           <a:xfrm>
             <a:off x="8704080" y="4816440"/>
-            <a:ext cx="202680" cy="141840"/>
+            <a:ext cx="202320" cy="141480"/>
           </a:xfrm>
           <a:prstGeom prst="rect">
             <a:avLst/>
@@ -5772,7 +6345,7 @@
                 <a:tab algn="l" pos="0"/>
               </a:tabLst>
             </a:pPr>
-            <a:fld id="{8917C84B-2BBE-4DBC-86A0-9DB1ABCF3EF5}" type="slidenum">
+            <a:fld id="{239A2D40-ACD8-4EF1-842B-41F56E28B964}" type="slidenum">
               <a:rPr b="0" lang="ru" sz="1100" strike="noStrike" u="none">
                 <a:solidFill>
                   <a:srgbClr val="4d4e4f"/>

--- a/docs/prez.pptx
+++ b/docs/prez.pptx
@@ -4,7 +4,7 @@
   <p:sldMasterIdLst>
     <p:sldMasterId id="2147483648" r:id="rId2"/>
     <p:sldMasterId id="2147483650" r:id="rId3"/>
-    <p:sldMasterId id="2147483655" r:id="rId4"/>
+    <p:sldMasterId id="2147483656" r:id="rId4"/>
   </p:sldMasterIdLst>
   <p:sldIdLst>
     <p:sldId id="256" r:id="rId5"/>
@@ -52,7 +52,7 @@
         <p:spPr>
           <a:xfrm>
             <a:off x="457200" y="205200"/>
-            <a:ext cx="8228880" cy="858240"/>
+            <a:ext cx="8228520" cy="857880"/>
           </a:xfrm>
           <a:prstGeom prst="rect">
             <a:avLst/>
@@ -94,7 +94,7 @@
         <p:spPr>
           <a:xfrm>
             <a:off x="457200" y="1203480"/>
-            <a:ext cx="8228880" cy="2982600"/>
+            <a:ext cx="8228520" cy="2982240"/>
           </a:xfrm>
           <a:prstGeom prst="rect">
             <a:avLst/>
@@ -140,7 +140,7 @@
         <p:txBody>
           <a:bodyPr/>
           <a:p>
-            <a:fld id="{42C692BA-0E59-4D3C-851D-A43EFE0449FB}" type="slidenum">
+            <a:fld id="{CAE783BF-DAA0-4CEB-AA6F-E508B81AB408}" type="slidenum">
               <a:t>&lt;#&gt;</a:t>
             </a:fld>
           </a:p>
@@ -189,7 +189,7 @@
         <p:spPr>
           <a:xfrm>
             <a:off x="333000" y="1118520"/>
-            <a:ext cx="11930400" cy="4440960"/>
+            <a:ext cx="11930040" cy="4440600"/>
           </a:xfrm>
           <a:prstGeom prst="rect">
             <a:avLst/>
@@ -213,7 +213,7 @@
         <p:spPr>
           <a:xfrm>
             <a:off x="7068600" y="359640"/>
-            <a:ext cx="1631880" cy="417600"/>
+            <a:ext cx="1631520" cy="417240"/>
           </a:xfrm>
           <a:prstGeom prst="rect">
             <a:avLst/>
@@ -237,7 +237,7 @@
         <p:spPr>
           <a:xfrm>
             <a:off x="457200" y="496800"/>
-            <a:ext cx="8228520" cy="274680"/>
+            <a:ext cx="8228160" cy="274680"/>
           </a:xfrm>
           <a:prstGeom prst="rect">
             <a:avLst/>
@@ -296,7 +296,7 @@
         <p:spPr>
           <a:xfrm>
             <a:off x="457200" y="1203480"/>
-            <a:ext cx="8228520" cy="2982240"/>
+            <a:ext cx="8228160" cy="2981880"/>
           </a:xfrm>
           <a:prstGeom prst="rect">
             <a:avLst/>
@@ -570,7 +570,7 @@
         <p:spPr>
           <a:xfrm>
             <a:off x="8704080" y="4816440"/>
-            <a:ext cx="202320" cy="141480"/>
+            <a:ext cx="201960" cy="141120"/>
           </a:xfrm>
           <a:prstGeom prst="rect">
             <a:avLst/>
@@ -614,7 +614,7 @@
                 <a:tab algn="l" pos="0"/>
               </a:tabLst>
             </a:pPr>
-            <a:fld id="{2BD09E23-455A-4761-8F9B-5E4369BB78B2}" type="slidenum">
+            <a:fld id="{6932284A-3D8D-458E-939F-E2503CCE67A5}" type="slidenum">
               <a:rPr b="0" lang="ru" sz="1100" strike="noStrike" u="none">
                 <a:solidFill>
                   <a:srgbClr val="4d4e4f"/>
@@ -680,7 +680,7 @@
         <p:spPr>
           <a:xfrm>
             <a:off x="333000" y="1118520"/>
-            <a:ext cx="11930400" cy="4440960"/>
+            <a:ext cx="11930040" cy="4440600"/>
           </a:xfrm>
           <a:prstGeom prst="rect">
             <a:avLst/>
@@ -704,7 +704,7 @@
         <p:spPr>
           <a:xfrm>
             <a:off x="7068600" y="359640"/>
-            <a:ext cx="1631880" cy="417600"/>
+            <a:ext cx="1631520" cy="417240"/>
           </a:xfrm>
           <a:prstGeom prst="rect">
             <a:avLst/>
@@ -728,7 +728,7 @@
         <p:spPr>
           <a:xfrm>
             <a:off x="8704080" y="4816440"/>
-            <a:ext cx="202320" cy="141480"/>
+            <a:ext cx="201960" cy="141120"/>
           </a:xfrm>
           <a:prstGeom prst="rect">
             <a:avLst/>
@@ -772,7 +772,7 @@
                 <a:tab algn="l" pos="0"/>
               </a:tabLst>
             </a:pPr>
-            <a:fld id="{9CAF5204-08C8-4EB8-86DA-E1747F335E46}" type="slidenum">
+            <a:fld id="{1109FBB4-7ABB-433D-9C25-FDD615F22FED}" type="slidenum">
               <a:rPr b="0" lang="ru" sz="1100" strike="noStrike" u="none">
                 <a:solidFill>
                   <a:srgbClr val="4d4e4f"/>
@@ -808,7 +808,7 @@
         <p:spPr>
           <a:xfrm>
             <a:off x="457200" y="205200"/>
-            <a:ext cx="8228880" cy="858240"/>
+            <a:ext cx="8228520" cy="857880"/>
           </a:xfrm>
           <a:prstGeom prst="rect">
             <a:avLst/>
@@ -867,7 +867,7 @@
         <p:spPr>
           <a:xfrm>
             <a:off x="457200" y="1203480"/>
-            <a:ext cx="8228880" cy="2982600"/>
+            <a:ext cx="8228520" cy="2982240"/>
           </a:xfrm>
           <a:prstGeom prst="rect">
             <a:avLst/>
@@ -1171,7 +1171,7 @@
         <p:spPr>
           <a:xfrm>
             <a:off x="333000" y="1118520"/>
-            <a:ext cx="11930400" cy="4440960"/>
+            <a:ext cx="11930040" cy="4440600"/>
           </a:xfrm>
           <a:prstGeom prst="rect">
             <a:avLst/>
@@ -1195,7 +1195,7 @@
         <p:spPr>
           <a:xfrm>
             <a:off x="7068600" y="359640"/>
-            <a:ext cx="1631880" cy="417600"/>
+            <a:ext cx="1631520" cy="417240"/>
           </a:xfrm>
           <a:prstGeom prst="rect">
             <a:avLst/>
@@ -1219,7 +1219,7 @@
         <p:spPr>
           <a:xfrm>
             <a:off x="8704080" y="4816440"/>
-            <a:ext cx="202320" cy="141480"/>
+            <a:ext cx="201960" cy="141120"/>
           </a:xfrm>
           <a:prstGeom prst="rect">
             <a:avLst/>
@@ -1263,7 +1263,7 @@
                 <a:tab algn="l" pos="0"/>
               </a:tabLst>
             </a:pPr>
-            <a:fld id="{3CC68EFA-5897-4A4C-8290-35DFD32B1C68}" type="slidenum">
+            <a:fld id="{EAFF6207-98E7-4B73-9443-F7626FBC43F7}" type="slidenum">
               <a:rPr b="0" lang="ru" sz="1100" strike="noStrike" u="none">
                 <a:solidFill>
                   <a:srgbClr val="4d4e4f"/>
@@ -1299,7 +1299,7 @@
         <p:spPr>
           <a:xfrm>
             <a:off x="457200" y="205200"/>
-            <a:ext cx="8228880" cy="858240"/>
+            <a:ext cx="8228520" cy="857880"/>
           </a:xfrm>
           <a:prstGeom prst="rect">
             <a:avLst/>
@@ -1358,7 +1358,7 @@
         <p:spPr>
           <a:xfrm>
             <a:off x="457200" y="1203480"/>
-            <a:ext cx="8228880" cy="2982600"/>
+            <a:ext cx="8228520" cy="2982240"/>
           </a:xfrm>
           <a:prstGeom prst="rect">
             <a:avLst/>
@@ -1625,8 +1625,8 @@
 </file>
 
 <file path=ppt/slideLayouts/slideLayout5.xml><?xml version="1.0" encoding="utf-8"?>
-<p:sldLayout xmlns:a="http://schemas.openxmlformats.org/drawingml/2006/main" xmlns:p="http://schemas.openxmlformats.org/presentationml/2006/main" xmlns:r="http://schemas.openxmlformats.org/officeDocument/2006/relationships" xmlns:p14="http://schemas.microsoft.com/office/powerpoint/2010/main" xmlns:p15="http://schemas.microsoft.com/office/powerpoint/2012/main" xmlns:mc="http://schemas.openxmlformats.org/markup-compatibility/2006" type="blank" preserve="1">
-  <p:cSld name="Default 1">
+<p:sldLayout xmlns:a="http://schemas.openxmlformats.org/drawingml/2006/main" xmlns:p="http://schemas.openxmlformats.org/presentationml/2006/main" xmlns:r="http://schemas.openxmlformats.org/officeDocument/2006/relationships" xmlns:p14="http://schemas.microsoft.com/office/powerpoint/2010/main" xmlns:p15="http://schemas.microsoft.com/office/powerpoint/2012/main" xmlns:mc="http://schemas.openxmlformats.org/markup-compatibility/2006" type="tx" preserve="1">
+  <p:cSld name="Default 3">
     <p:bg>
       <p:bgPr>
         <a:solidFill>
@@ -1662,7 +1662,7 @@
         <p:spPr>
           <a:xfrm>
             <a:off x="333000" y="1118520"/>
-            <a:ext cx="11930400" cy="4440960"/>
+            <a:ext cx="11930040" cy="4440600"/>
           </a:xfrm>
           <a:prstGeom prst="rect">
             <a:avLst/>
@@ -1686,7 +1686,7 @@
         <p:spPr>
           <a:xfrm>
             <a:off x="7068600" y="359640"/>
-            <a:ext cx="1631880" cy="417600"/>
+            <a:ext cx="1631520" cy="417240"/>
           </a:xfrm>
           <a:prstGeom prst="rect">
             <a:avLst/>
@@ -1710,7 +1710,7 @@
         <p:spPr>
           <a:xfrm>
             <a:off x="8704080" y="4816440"/>
-            <a:ext cx="202320" cy="141480"/>
+            <a:ext cx="201960" cy="141120"/>
           </a:xfrm>
           <a:prstGeom prst="rect">
             <a:avLst/>
@@ -1754,7 +1754,7 @@
                 <a:tab algn="l" pos="0"/>
               </a:tabLst>
             </a:pPr>
-            <a:fld id="{B98E1D5B-3AE4-49D2-8DA1-544B6DED8703}" type="slidenum">
+            <a:fld id="{B7B92D7F-DA17-420D-83AC-D7527B9F7590}" type="slidenum">
               <a:rPr b="0" lang="ru" sz="1100" strike="noStrike" u="none">
                 <a:solidFill>
                   <a:srgbClr val="4d4e4f"/>
@@ -1790,7 +1790,7 @@
         <p:spPr>
           <a:xfrm>
             <a:off x="457200" y="205200"/>
-            <a:ext cx="8228880" cy="858240"/>
+            <a:ext cx="8228520" cy="857880"/>
           </a:xfrm>
           <a:prstGeom prst="rect">
             <a:avLst/>
@@ -1849,7 +1849,7 @@
         <p:spPr>
           <a:xfrm>
             <a:off x="457200" y="1203480"/>
-            <a:ext cx="8228880" cy="2982600"/>
+            <a:ext cx="8228520" cy="2982240"/>
           </a:xfrm>
           <a:prstGeom prst="rect">
             <a:avLst/>
@@ -2116,6 +2116,497 @@
 </file>
 
 <file path=ppt/slideLayouts/slideLayout6.xml><?xml version="1.0" encoding="utf-8"?>
+<p:sldLayout xmlns:a="http://schemas.openxmlformats.org/drawingml/2006/main" xmlns:p="http://schemas.openxmlformats.org/presentationml/2006/main" xmlns:r="http://schemas.openxmlformats.org/officeDocument/2006/relationships" xmlns:p14="http://schemas.microsoft.com/office/powerpoint/2010/main" xmlns:p15="http://schemas.microsoft.com/office/powerpoint/2012/main" xmlns:mc="http://schemas.openxmlformats.org/markup-compatibility/2006" type="blank" preserve="1">
+  <p:cSld name="Default 3">
+    <p:bg>
+      <p:bgPr>
+        <a:solidFill>
+          <a:srgbClr val="ffffff"/>
+        </a:solidFill>
+      </p:bgPr>
+    </p:bg>
+    <p:spTree>
+      <p:nvGrpSpPr>
+        <p:cNvPr id="1" name=""/>
+        <p:cNvGrpSpPr/>
+        <p:nvPr/>
+      </p:nvGrpSpPr>
+      <p:grpSpPr>
+        <a:xfrm>
+          <a:off x="0" y="0"/>
+          <a:ext cx="0" cy="0"/>
+          <a:chOff x="0" y="0"/>
+          <a:chExt cx="0" cy="0"/>
+        </a:xfrm>
+      </p:grpSpPr>
+      <p:pic>
+        <p:nvPicPr>
+          <p:cNvPr id="29" name="Google Shape;6;p1" descr=""/>
+          <p:cNvPicPr/>
+          <p:nvPr/>
+        </p:nvPicPr>
+        <p:blipFill>
+          <a:blip r:embed="rId2"/>
+          <a:srcRect l="0" t="55" r="0" b="55"/>
+          <a:stretch/>
+        </p:blipFill>
+        <p:spPr>
+          <a:xfrm>
+            <a:off x="333000" y="1118520"/>
+            <a:ext cx="11930040" cy="4440600"/>
+          </a:xfrm>
+          <a:prstGeom prst="rect">
+            <a:avLst/>
+          </a:prstGeom>
+          <a:noFill/>
+          <a:ln w="0">
+            <a:noFill/>
+          </a:ln>
+        </p:spPr>
+      </p:pic>
+      <p:pic>
+        <p:nvPicPr>
+          <p:cNvPr id="30" name="Google Shape;8;p1" descr="Image"/>
+          <p:cNvPicPr/>
+          <p:nvPr/>
+        </p:nvPicPr>
+        <p:blipFill>
+          <a:blip r:embed="rId3"/>
+          <a:stretch/>
+        </p:blipFill>
+        <p:spPr>
+          <a:xfrm>
+            <a:off x="7068600" y="359640"/>
+            <a:ext cx="1631520" cy="417240"/>
+          </a:xfrm>
+          <a:prstGeom prst="rect">
+            <a:avLst/>
+          </a:prstGeom>
+          <a:noFill/>
+          <a:ln w="0">
+            <a:noFill/>
+          </a:ln>
+        </p:spPr>
+      </p:pic>
+      <p:sp>
+        <p:nvSpPr>
+          <p:cNvPr id="31" name="PlaceHolder 1"/>
+          <p:cNvSpPr>
+            <a:spLocks noGrp="1"/>
+          </p:cNvSpPr>
+          <p:nvPr>
+            <p:ph type="sldNum" idx="6"/>
+          </p:nvPr>
+        </p:nvSpPr>
+        <p:spPr>
+          <a:xfrm>
+            <a:off x="8704080" y="4816440"/>
+            <a:ext cx="201960" cy="141120"/>
+          </a:xfrm>
+          <a:prstGeom prst="rect">
+            <a:avLst/>
+          </a:prstGeom>
+          <a:noFill/>
+          <a:ln w="0">
+            <a:noFill/>
+          </a:ln>
+        </p:spPr>
+        <p:txBody>
+          <a:bodyPr lIns="19080" rIns="19080" tIns="19080" bIns="19080" anchor="t">
+            <a:noAutofit/>
+          </a:bodyPr>
+          <a:lstStyle>
+            <a:lvl1pPr indent="0" algn="r">
+              <a:lnSpc>
+                <a:spcPct val="100000"/>
+              </a:lnSpc>
+              <a:buNone/>
+              <a:tabLst>
+                <a:tab algn="l" pos="0"/>
+              </a:tabLst>
+              <a:defRPr b="0" lang="ru" sz="1100" strike="noStrike" u="none">
+                <a:solidFill>
+                  <a:srgbClr val="4d4e4f"/>
+                </a:solidFill>
+                <a:effectLst/>
+                <a:uFillTx/>
+                <a:latin typeface="Arial"/>
+                <a:ea typeface="Arial"/>
+              </a:defRPr>
+            </a:lvl1pPr>
+          </a:lstStyle>
+          <a:p>
+            <a:pPr indent="0" algn="r">
+              <a:lnSpc>
+                <a:spcPct val="100000"/>
+              </a:lnSpc>
+              <a:buNone/>
+              <a:tabLst>
+                <a:tab algn="l" pos="0"/>
+              </a:tabLst>
+            </a:pPr>
+            <a:fld id="{4DDB7983-D646-433A-BED1-F94260A9BB05}" type="slidenum">
+              <a:rPr b="0" lang="ru" sz="1100" strike="noStrike" u="none">
+                <a:solidFill>
+                  <a:srgbClr val="4d4e4f"/>
+                </a:solidFill>
+                <a:effectLst/>
+                <a:uFillTx/>
+                <a:latin typeface="Arial"/>
+                <a:ea typeface="Arial"/>
+              </a:rPr>
+              <a:t>&lt;number&gt;</a:t>
+            </a:fld>
+            <a:endParaRPr b="0" lang="en-US" sz="1100" strike="noStrike" u="none">
+              <a:solidFill>
+                <a:srgbClr val="000000"/>
+              </a:solidFill>
+              <a:effectLst/>
+              <a:uFillTx/>
+              <a:latin typeface="Times New Roman"/>
+            </a:endParaRPr>
+          </a:p>
+        </p:txBody>
+      </p:sp>
+      <p:sp>
+        <p:nvSpPr>
+          <p:cNvPr id="32" name="PlaceHolder 2"/>
+          <p:cNvSpPr>
+            <a:spLocks noGrp="1"/>
+          </p:cNvSpPr>
+          <p:nvPr>
+            <p:ph type="title"/>
+          </p:nvPr>
+        </p:nvSpPr>
+        <p:spPr>
+          <a:xfrm>
+            <a:off x="457200" y="205200"/>
+            <a:ext cx="8228520" cy="857880"/>
+          </a:xfrm>
+          <a:prstGeom prst="rect">
+            <a:avLst/>
+          </a:prstGeom>
+          <a:noFill/>
+          <a:ln w="0">
+            <a:noFill/>
+          </a:ln>
+        </p:spPr>
+        <p:txBody>
+          <a:bodyPr lIns="0" rIns="0" tIns="0" bIns="0" anchor="ctr">
+            <a:noAutofit/>
+          </a:bodyPr>
+          <a:p>
+            <a:pPr indent="0" algn="ctr">
+              <a:lnSpc>
+                <a:spcPct val="100000"/>
+              </a:lnSpc>
+              <a:buNone/>
+              <a:tabLst>
+                <a:tab algn="l" pos="0"/>
+              </a:tabLst>
+            </a:pPr>
+            <a:r>
+              <a:rPr b="0" lang="en-US" sz="4400" strike="noStrike" u="none">
+                <a:solidFill>
+                  <a:srgbClr val="000000"/>
+                </a:solidFill>
+                <a:effectLst/>
+                <a:uFillTx/>
+                <a:latin typeface="Arial"/>
+              </a:rPr>
+              <a:t>Click to edit the title text format</a:t>
+            </a:r>
+            <a:endParaRPr b="0" lang="en-US" sz="4400" strike="noStrike" u="none">
+              <a:solidFill>
+                <a:srgbClr val="000000"/>
+              </a:solidFill>
+              <a:effectLst/>
+              <a:uFillTx/>
+              <a:latin typeface="Arial"/>
+            </a:endParaRPr>
+          </a:p>
+        </p:txBody>
+      </p:sp>
+      <p:sp>
+        <p:nvSpPr>
+          <p:cNvPr id="33" name="PlaceHolder 3"/>
+          <p:cNvSpPr>
+            <a:spLocks noGrp="1"/>
+          </p:cNvSpPr>
+          <p:nvPr>
+            <p:ph type="body"/>
+          </p:nvPr>
+        </p:nvSpPr>
+        <p:spPr>
+          <a:xfrm>
+            <a:off x="457200" y="1203480"/>
+            <a:ext cx="8228520" cy="2982240"/>
+          </a:xfrm>
+          <a:prstGeom prst="rect">
+            <a:avLst/>
+          </a:prstGeom>
+          <a:noFill/>
+          <a:ln w="0">
+            <a:noFill/>
+          </a:ln>
+        </p:spPr>
+        <p:txBody>
+          <a:bodyPr lIns="0" rIns="0" tIns="0" bIns="0" anchor="t">
+            <a:normAutofit/>
+          </a:bodyPr>
+          <a:p>
+            <a:pPr marL="432000" indent="-324000">
+              <a:lnSpc>
+                <a:spcPct val="100000"/>
+              </a:lnSpc>
+              <a:spcBef>
+                <a:spcPts val="1417"/>
+              </a:spcBef>
+              <a:buClr>
+                <a:srgbClr val="000000"/>
+              </a:buClr>
+              <a:buSzPct val="45000"/>
+              <a:buFont typeface="Wingdings" charset="2"/>
+              <a:buChar char=""/>
+            </a:pPr>
+            <a:r>
+              <a:rPr b="0" lang="en-US" sz="3200" strike="noStrike" u="none">
+                <a:solidFill>
+                  <a:srgbClr val="000000"/>
+                </a:solidFill>
+                <a:effectLst/>
+                <a:uFillTx/>
+                <a:latin typeface="Arial"/>
+              </a:rPr>
+              <a:t>Click to edit the outline text format</a:t>
+            </a:r>
+            <a:endParaRPr b="0" lang="en-US" sz="3200" strike="noStrike" u="none">
+              <a:solidFill>
+                <a:srgbClr val="000000"/>
+              </a:solidFill>
+              <a:effectLst/>
+              <a:uFillTx/>
+              <a:latin typeface="Arial"/>
+            </a:endParaRPr>
+          </a:p>
+          <a:p>
+            <a:pPr lvl="1" marL="864000" indent="-324000">
+              <a:lnSpc>
+                <a:spcPct val="100000"/>
+              </a:lnSpc>
+              <a:spcBef>
+                <a:spcPts val="1134"/>
+              </a:spcBef>
+              <a:buClr>
+                <a:srgbClr val="000000"/>
+              </a:buClr>
+              <a:buSzPct val="75000"/>
+              <a:buFont typeface="Symbol" charset="2"/>
+              <a:buChar char=""/>
+            </a:pPr>
+            <a:r>
+              <a:rPr b="0" lang="en-US" sz="2800" strike="noStrike" u="none">
+                <a:solidFill>
+                  <a:srgbClr val="000000"/>
+                </a:solidFill>
+                <a:effectLst/>
+                <a:uFillTx/>
+                <a:latin typeface="Arial"/>
+              </a:rPr>
+              <a:t>Second Outline Level</a:t>
+            </a:r>
+            <a:endParaRPr b="0" lang="en-US" sz="2800" strike="noStrike" u="none">
+              <a:solidFill>
+                <a:srgbClr val="000000"/>
+              </a:solidFill>
+              <a:effectLst/>
+              <a:uFillTx/>
+              <a:latin typeface="Arial"/>
+            </a:endParaRPr>
+          </a:p>
+          <a:p>
+            <a:pPr lvl="2" marL="1296000" indent="-288000">
+              <a:lnSpc>
+                <a:spcPct val="100000"/>
+              </a:lnSpc>
+              <a:spcBef>
+                <a:spcPts val="850"/>
+              </a:spcBef>
+              <a:buClr>
+                <a:srgbClr val="000000"/>
+              </a:buClr>
+              <a:buSzPct val="45000"/>
+              <a:buFont typeface="Wingdings" charset="2"/>
+              <a:buChar char=""/>
+            </a:pPr>
+            <a:r>
+              <a:rPr b="0" lang="en-US" sz="2400" strike="noStrike" u="none">
+                <a:solidFill>
+                  <a:srgbClr val="000000"/>
+                </a:solidFill>
+                <a:effectLst/>
+                <a:uFillTx/>
+                <a:latin typeface="Arial"/>
+              </a:rPr>
+              <a:t>Third Outline Level</a:t>
+            </a:r>
+            <a:endParaRPr b="0" lang="en-US" sz="2400" strike="noStrike" u="none">
+              <a:solidFill>
+                <a:srgbClr val="000000"/>
+              </a:solidFill>
+              <a:effectLst/>
+              <a:uFillTx/>
+              <a:latin typeface="Arial"/>
+            </a:endParaRPr>
+          </a:p>
+          <a:p>
+            <a:pPr lvl="3" marL="1728000" indent="-216000">
+              <a:lnSpc>
+                <a:spcPct val="100000"/>
+              </a:lnSpc>
+              <a:spcBef>
+                <a:spcPts val="567"/>
+              </a:spcBef>
+              <a:buClr>
+                <a:srgbClr val="000000"/>
+              </a:buClr>
+              <a:buSzPct val="75000"/>
+              <a:buFont typeface="Symbol" charset="2"/>
+              <a:buChar char=""/>
+            </a:pPr>
+            <a:r>
+              <a:rPr b="0" lang="en-US" sz="2000" strike="noStrike" u="none">
+                <a:solidFill>
+                  <a:srgbClr val="000000"/>
+                </a:solidFill>
+                <a:effectLst/>
+                <a:uFillTx/>
+                <a:latin typeface="Arial"/>
+              </a:rPr>
+              <a:t>Fourth Outline Level</a:t>
+            </a:r>
+            <a:endParaRPr b="0" lang="en-US" sz="2000" strike="noStrike" u="none">
+              <a:solidFill>
+                <a:srgbClr val="000000"/>
+              </a:solidFill>
+              <a:effectLst/>
+              <a:uFillTx/>
+              <a:latin typeface="Arial"/>
+            </a:endParaRPr>
+          </a:p>
+          <a:p>
+            <a:pPr lvl="4" marL="2160000" indent="-216000">
+              <a:lnSpc>
+                <a:spcPct val="100000"/>
+              </a:lnSpc>
+              <a:spcBef>
+                <a:spcPts val="283"/>
+              </a:spcBef>
+              <a:buClr>
+                <a:srgbClr val="000000"/>
+              </a:buClr>
+              <a:buSzPct val="45000"/>
+              <a:buFont typeface="Wingdings" charset="2"/>
+              <a:buChar char=""/>
+            </a:pPr>
+            <a:r>
+              <a:rPr b="0" lang="en-US" sz="2000" strike="noStrike" u="none">
+                <a:solidFill>
+                  <a:srgbClr val="000000"/>
+                </a:solidFill>
+                <a:effectLst/>
+                <a:uFillTx/>
+                <a:latin typeface="Arial"/>
+              </a:rPr>
+              <a:t>Fifth Outline Level</a:t>
+            </a:r>
+            <a:endParaRPr b="0" lang="en-US" sz="2000" strike="noStrike" u="none">
+              <a:solidFill>
+                <a:srgbClr val="000000"/>
+              </a:solidFill>
+              <a:effectLst/>
+              <a:uFillTx/>
+              <a:latin typeface="Arial"/>
+            </a:endParaRPr>
+          </a:p>
+          <a:p>
+            <a:pPr lvl="5" marL="2592000" indent="-216000">
+              <a:lnSpc>
+                <a:spcPct val="100000"/>
+              </a:lnSpc>
+              <a:spcBef>
+                <a:spcPts val="283"/>
+              </a:spcBef>
+              <a:buClr>
+                <a:srgbClr val="000000"/>
+              </a:buClr>
+              <a:buSzPct val="45000"/>
+              <a:buFont typeface="Wingdings" charset="2"/>
+              <a:buChar char=""/>
+            </a:pPr>
+            <a:r>
+              <a:rPr b="0" lang="en-US" sz="2000" strike="noStrike" u="none">
+                <a:solidFill>
+                  <a:srgbClr val="000000"/>
+                </a:solidFill>
+                <a:effectLst/>
+                <a:uFillTx/>
+                <a:latin typeface="Arial"/>
+              </a:rPr>
+              <a:t>Sixth Outline Level</a:t>
+            </a:r>
+            <a:endParaRPr b="0" lang="en-US" sz="2000" strike="noStrike" u="none">
+              <a:solidFill>
+                <a:srgbClr val="000000"/>
+              </a:solidFill>
+              <a:effectLst/>
+              <a:uFillTx/>
+              <a:latin typeface="Arial"/>
+            </a:endParaRPr>
+          </a:p>
+          <a:p>
+            <a:pPr lvl="6" marL="3024000" indent="-216000">
+              <a:lnSpc>
+                <a:spcPct val="100000"/>
+              </a:lnSpc>
+              <a:spcBef>
+                <a:spcPts val="283"/>
+              </a:spcBef>
+              <a:buClr>
+                <a:srgbClr val="000000"/>
+              </a:buClr>
+              <a:buSzPct val="45000"/>
+              <a:buFont typeface="Wingdings" charset="2"/>
+              <a:buChar char=""/>
+            </a:pPr>
+            <a:r>
+              <a:rPr b="0" lang="en-US" sz="2000" strike="noStrike" u="none">
+                <a:solidFill>
+                  <a:srgbClr val="000000"/>
+                </a:solidFill>
+                <a:effectLst/>
+                <a:uFillTx/>
+                <a:latin typeface="Arial"/>
+              </a:rPr>
+              <a:t>Seventh Outline Level</a:t>
+            </a:r>
+            <a:endParaRPr b="0" lang="en-US" sz="2000" strike="noStrike" u="none">
+              <a:solidFill>
+                <a:srgbClr val="000000"/>
+              </a:solidFill>
+              <a:effectLst/>
+              <a:uFillTx/>
+              <a:latin typeface="Arial"/>
+            </a:endParaRPr>
+          </a:p>
+        </p:txBody>
+      </p:sp>
+    </p:spTree>
+  </p:cSld>
+</p:sldLayout>
+</file>
+
+<file path=ppt/slideLayouts/slideLayout7.xml><?xml version="1.0" encoding="utf-8"?>
 <p:sldLayout xmlns:a="http://schemas.openxmlformats.org/drawingml/2006/main" xmlns:p="http://schemas.openxmlformats.org/presentationml/2006/main" xmlns:r="http://schemas.openxmlformats.org/officeDocument/2006/relationships" xmlns:p14="http://schemas.microsoft.com/office/powerpoint/2010/main" xmlns:p15="http://schemas.microsoft.com/office/powerpoint/2012/main" xmlns:mc="http://schemas.openxmlformats.org/markup-compatibility/2006" type="blank" preserve="1">
   <p:cSld name="Content_">
     <p:spTree>
@@ -2139,14 +2630,14 @@
             <a:spLocks noGrp="1"/>
           </p:cNvSpPr>
           <p:nvPr>
-            <p:ph type="sldNum" idx="6"/>
+            <p:ph type="sldNum" idx="7"/>
           </p:nvPr>
         </p:nvSpPr>
         <p:spPr/>
         <p:txBody>
           <a:bodyPr/>
           <a:p>
-            <a:fld id="{8308BAC3-A594-445D-B362-CDAA708A1762}" type="slidenum">
+            <a:fld id="{0F396149-2CD1-4189-9736-DF1B81C058AB}" type="slidenum">
               <a:t>&lt;#&gt;</a:t>
             </a:fld>
           </a:p>
@@ -2203,7 +2694,7 @@
         <p:spPr>
           <a:xfrm>
             <a:off x="333000" y="1118520"/>
-            <a:ext cx="11930400" cy="4440960"/>
+            <a:ext cx="11930040" cy="4440600"/>
           </a:xfrm>
           <a:prstGeom prst="rect">
             <a:avLst/>
@@ -2227,7 +2718,7 @@
         <p:spPr>
           <a:xfrm>
             <a:off x="7068600" y="359640"/>
-            <a:ext cx="1631880" cy="417600"/>
+            <a:ext cx="1631520" cy="417240"/>
           </a:xfrm>
           <a:prstGeom prst="rect">
             <a:avLst/>
@@ -2252,7 +2743,7 @@
         <p:spPr>
           <a:xfrm>
             <a:off x="333000" y="1118520"/>
-            <a:ext cx="11930400" cy="4440960"/>
+            <a:ext cx="11930040" cy="4440600"/>
           </a:xfrm>
           <a:prstGeom prst="rect">
             <a:avLst/>
@@ -2276,7 +2767,7 @@
         <p:spPr>
           <a:xfrm>
             <a:off x="7072200" y="359640"/>
-            <a:ext cx="1633320" cy="417960"/>
+            <a:ext cx="1632960" cy="417600"/>
           </a:xfrm>
           <a:prstGeom prst="rect">
             <a:avLst/>
@@ -2300,7 +2791,7 @@
         <p:spPr>
           <a:xfrm>
             <a:off x="457200" y="496800"/>
-            <a:ext cx="8228880" cy="274680"/>
+            <a:ext cx="8228520" cy="274680"/>
           </a:xfrm>
           <a:prstGeom prst="rect">
             <a:avLst/>
@@ -2353,7 +2844,7 @@
         <p:spPr>
           <a:xfrm>
             <a:off x="457200" y="1203480"/>
-            <a:ext cx="8228880" cy="2982600"/>
+            <a:ext cx="8228520" cy="2982240"/>
           </a:xfrm>
           <a:prstGeom prst="rect">
             <a:avLst/>
@@ -2606,7 +3097,7 @@
         <p:spPr>
           <a:xfrm>
             <a:off x="8709480" y="4822200"/>
-            <a:ext cx="202320" cy="141480"/>
+            <a:ext cx="201960" cy="141120"/>
           </a:xfrm>
           <a:prstGeom prst="rect">
             <a:avLst/>
@@ -2650,7 +3141,7 @@
                 <a:tab algn="l" pos="0"/>
               </a:tabLst>
             </a:pPr>
-            <a:fld id="{83B75F3F-8488-4B68-A2AC-F939CC1150B2}" type="slidenum">
+            <a:fld id="{1940E79F-3B40-4718-A3FA-FBE473C1675F}" type="slidenum">
               <a:rPr b="0" lang="ru" sz="1100" strike="noStrike" u="none">
                 <a:solidFill>
                   <a:srgbClr val="4d4e4f"/>
@@ -2707,11 +3198,12 @@
     <p:sldLayoutId id="2147483652" r:id="rId3"/>
     <p:sldLayoutId id="2147483653" r:id="rId4"/>
     <p:sldLayoutId id="2147483654" r:id="rId5"/>
+    <p:sldLayoutId id="2147483655" r:id="rId6"/>
   </p:sldLayoutIdLst>
 </p:sldMaster>
 </file>
 
-<file path=ppt/slideMasters/slideMaster5.xml><?xml version="1.0" encoding="utf-8"?>
+<file path=ppt/slideMasters/slideMaster6.xml><?xml version="1.0" encoding="utf-8"?>
 <p:sldMaster xmlns:a="http://schemas.openxmlformats.org/drawingml/2006/main" xmlns:p="http://schemas.openxmlformats.org/presentationml/2006/main" xmlns:r="http://schemas.openxmlformats.org/officeDocument/2006/relationships" xmlns:p14="http://schemas.microsoft.com/office/powerpoint/2010/main" xmlns:p15="http://schemas.microsoft.com/office/powerpoint/2012/main" xmlns:mc="http://schemas.openxmlformats.org/markup-compatibility/2006">
   <p:cSld>
     <p:bg>
@@ -2737,7 +3229,7 @@
       </p:grpSpPr>
       <p:pic>
         <p:nvPicPr>
-          <p:cNvPr id="29" name="Google Shape;6;p1" descr=""/>
+          <p:cNvPr id="34" name="Google Shape;6;p1" descr=""/>
           <p:cNvPicPr/>
           <p:nvPr/>
         </p:nvPicPr>
@@ -2749,7 +3241,7 @@
         <p:spPr>
           <a:xfrm>
             <a:off x="333000" y="1118520"/>
-            <a:ext cx="11931480" cy="4442040"/>
+            <a:ext cx="11931120" cy="4441680"/>
           </a:xfrm>
           <a:prstGeom prst="rect">
             <a:avLst/>
@@ -2762,7 +3254,7 @@
       </p:pic>
       <p:pic>
         <p:nvPicPr>
-          <p:cNvPr id="30" name="Google Shape;8;p1" descr="Image"/>
+          <p:cNvPr id="35" name="Google Shape;8;p1" descr="Image"/>
           <p:cNvPicPr/>
           <p:nvPr/>
         </p:nvPicPr>
@@ -2773,7 +3265,7 @@
         <p:spPr>
           <a:xfrm>
             <a:off x="7068600" y="359640"/>
-            <a:ext cx="1632960" cy="418680"/>
+            <a:ext cx="1632600" cy="418320"/>
           </a:xfrm>
           <a:prstGeom prst="rect">
             <a:avLst/>
@@ -2786,18 +3278,18 @@
       </p:pic>
       <p:sp>
         <p:nvSpPr>
-          <p:cNvPr id="31" name="PlaceHolder 1"/>
+          <p:cNvPr id="36" name="PlaceHolder 1"/>
           <p:cNvSpPr>
             <a:spLocks noGrp="1"/>
           </p:cNvSpPr>
           <p:nvPr>
-            <p:ph type="sldNum" idx="6"/>
+            <p:ph type="sldNum" idx="7"/>
           </p:nvPr>
         </p:nvSpPr>
         <p:spPr>
           <a:xfrm>
             <a:off x="8704080" y="4816440"/>
-            <a:ext cx="203400" cy="142560"/>
+            <a:ext cx="203040" cy="142200"/>
           </a:xfrm>
           <a:prstGeom prst="rect">
             <a:avLst/>
@@ -2841,7 +3333,7 @@
                 <a:tab algn="l" pos="0"/>
               </a:tabLst>
             </a:pPr>
-            <a:fld id="{6FBC4930-02D0-4DCE-83C2-0F08270BD1EF}" type="slidenum">
+            <a:fld id="{BC160C47-3CD4-48F9-A63A-ABB62DB09C0B}" type="slidenum">
               <a:rPr b="0" lang="ru" sz="1100" strike="noStrike" u="none">
                 <a:solidFill>
                   <a:srgbClr val="4d4e4f"/>
@@ -2866,7 +3358,7 @@
       </p:sp>
       <p:sp>
         <p:nvSpPr>
-          <p:cNvPr id="32" name="PlaceHolder 2"/>
+          <p:cNvPr id="37" name="PlaceHolder 2"/>
           <p:cNvSpPr>
             <a:spLocks noGrp="1"/>
           </p:cNvSpPr>
@@ -2919,7 +3411,7 @@
       </p:sp>
       <p:sp>
         <p:nvSpPr>
-          <p:cNvPr id="33" name="PlaceHolder 3"/>
+          <p:cNvPr id="38" name="PlaceHolder 3"/>
           <p:cNvSpPr>
             <a:spLocks noGrp="1"/>
           </p:cNvSpPr>
@@ -3174,7 +3666,7 @@
   </p:cSld>
   <p:clrMap bg1="lt1" tx1="dk1" bg2="lt2" tx2="dk2" accent1="accent1" accent2="accent2" accent3="accent3" accent4="accent4" accent5="accent5" accent6="accent6" hlink="hlink" folHlink="folHlink"/>
   <p:sldLayoutIdLst>
-    <p:sldLayoutId id="2147483656" r:id="rId4"/>
+    <p:sldLayoutId id="2147483657" r:id="rId4"/>
   </p:sldLayoutIdLst>
 </p:sldMaster>
 </file>
@@ -3198,7 +3690,7 @@
       </p:grpSpPr>
       <p:sp>
         <p:nvSpPr>
-          <p:cNvPr id="34" name="PlaceHolder 1"/>
+          <p:cNvPr id="39" name="PlaceHolder 1"/>
           <p:cNvSpPr>
             <a:spLocks noGrp="1"/>
           </p:cNvSpPr>
@@ -3209,7 +3701,7 @@
         <p:spPr>
           <a:xfrm>
             <a:off x="457200" y="1371600"/>
-            <a:ext cx="6266880" cy="1036080"/>
+            <a:ext cx="6266520" cy="1035720"/>
           </a:xfrm>
           <a:prstGeom prst="rect">
             <a:avLst/>
@@ -3279,14 +3771,14 @@
       </p:sp>
       <p:sp>
         <p:nvSpPr>
-          <p:cNvPr id="35" name="PlaceHolder 4"/>
+          <p:cNvPr id="40" name="PlaceHolder 4"/>
           <p:cNvSpPr/>
           <p:nvPr/>
         </p:nvSpPr>
         <p:spPr>
           <a:xfrm>
             <a:off x="457200" y="457200"/>
-            <a:ext cx="5713560" cy="442440"/>
+            <a:ext cx="5713200" cy="442080"/>
           </a:xfrm>
           <a:prstGeom prst="rect">
             <a:avLst/>
@@ -3340,14 +3832,14 @@
       </p:sp>
       <p:sp>
         <p:nvSpPr>
-          <p:cNvPr id="36" name="PlaceHolder 5"/>
+          <p:cNvPr id="41" name="PlaceHolder 5"/>
           <p:cNvSpPr/>
           <p:nvPr/>
         </p:nvSpPr>
         <p:spPr>
           <a:xfrm>
             <a:off x="457200" y="2848680"/>
-            <a:ext cx="6266880" cy="1036080"/>
+            <a:ext cx="6266520" cy="1035720"/>
           </a:xfrm>
           <a:prstGeom prst="rect">
             <a:avLst/>
@@ -3452,14 +3944,14 @@
       </p:sp>
       <p:sp>
         <p:nvSpPr>
-          <p:cNvPr id="37" name="PlaceHolder 3"/>
+          <p:cNvPr id="42" name="PlaceHolder 3"/>
           <p:cNvSpPr/>
           <p:nvPr/>
         </p:nvSpPr>
         <p:spPr>
           <a:xfrm>
             <a:off x="4247280" y="4800600"/>
-            <a:ext cx="1009080" cy="227160"/>
+            <a:ext cx="1008720" cy="226800"/>
           </a:xfrm>
           <a:prstGeom prst="rect">
             <a:avLst/>
@@ -3504,7 +3996,7 @@
                 <a:latin typeface="Arial"/>
                 <a:ea typeface="Arial"/>
               </a:rPr>
-              <a:t>2024 год</a:t>
+              <a:t>2025 год</a:t>
             </a:r>
             <a:endParaRPr b="0" lang="en-US" sz="1600" strike="noStrike" u="none">
               <a:solidFill>
@@ -3549,7 +4041,7 @@
       </p:grpSpPr>
       <p:sp>
         <p:nvSpPr>
-          <p:cNvPr id="38" name="PlaceHolder 1"/>
+          <p:cNvPr id="43" name="PlaceHolder 1"/>
           <p:cNvSpPr>
             <a:spLocks noGrp="1"/>
           </p:cNvSpPr>
@@ -3560,7 +4052,7 @@
         <p:spPr>
           <a:xfrm>
             <a:off x="442800" y="337680"/>
-            <a:ext cx="6253200" cy="437760"/>
+            <a:ext cx="6252840" cy="437400"/>
           </a:xfrm>
           <a:prstGeom prst="rect">
             <a:avLst/>
@@ -3609,18 +4101,18 @@
       </p:sp>
       <p:sp>
         <p:nvSpPr>
-          <p:cNvPr id="39" name="PlaceHolder 2"/>
+          <p:cNvPr id="44" name="PlaceHolder 2"/>
           <p:cNvSpPr>
             <a:spLocks noGrp="1"/>
           </p:cNvSpPr>
           <p:nvPr>
-            <p:ph type="sldNum" idx="7"/>
+            <p:ph type="sldNum" idx="8"/>
           </p:nvPr>
         </p:nvSpPr>
         <p:spPr>
           <a:xfrm>
             <a:off x="8704080" y="4816440"/>
-            <a:ext cx="203400" cy="142560"/>
+            <a:ext cx="203040" cy="142200"/>
           </a:xfrm>
           <a:prstGeom prst="rect">
             <a:avLst/>
@@ -3664,7 +4156,7 @@
                 <a:tab algn="l" pos="0"/>
               </a:tabLst>
             </a:pPr>
-            <a:fld id="{DB4F689C-31DA-4B39-B14D-03C993191774}" type="slidenum">
+            <a:fld id="{74387F29-7BDC-4B4C-A5F3-F4A9D256C66B}" type="slidenum">
               <a:rPr b="0" lang="ru" sz="1100" strike="noStrike" u="none">
                 <a:solidFill>
                   <a:srgbClr val="4d4e4f"/>
@@ -3689,14 +4181,14 @@
       </p:sp>
       <p:sp>
         <p:nvSpPr>
-          <p:cNvPr id="40" name="PlaceHolder 22"/>
+          <p:cNvPr id="45" name="PlaceHolder 22"/>
           <p:cNvSpPr/>
           <p:nvPr/>
         </p:nvSpPr>
         <p:spPr>
           <a:xfrm>
             <a:off x="424800" y="1143000"/>
-            <a:ext cx="8261640" cy="3199320"/>
+            <a:ext cx="8261280" cy="3198960"/>
           </a:xfrm>
           <a:prstGeom prst="rect">
             <a:avLst/>
@@ -3954,7 +4446,7 @@
       </p:grpSpPr>
       <p:sp>
         <p:nvSpPr>
-          <p:cNvPr id="41" name="PlaceHolder 1"/>
+          <p:cNvPr id="46" name="PlaceHolder 1"/>
           <p:cNvSpPr>
             <a:spLocks noGrp="1"/>
           </p:cNvSpPr>
@@ -3965,7 +4457,7 @@
         <p:spPr>
           <a:xfrm>
             <a:off x="442800" y="337680"/>
-            <a:ext cx="6253200" cy="437760"/>
+            <a:ext cx="6252840" cy="437400"/>
           </a:xfrm>
           <a:prstGeom prst="rect">
             <a:avLst/>
@@ -4014,18 +4506,18 @@
       </p:sp>
       <p:sp>
         <p:nvSpPr>
-          <p:cNvPr id="42" name="PlaceHolder 2"/>
+          <p:cNvPr id="47" name="PlaceHolder 2"/>
           <p:cNvSpPr>
             <a:spLocks noGrp="1"/>
           </p:cNvSpPr>
           <p:nvPr>
-            <p:ph type="sldNum" idx="8"/>
+            <p:ph type="sldNum" idx="9"/>
           </p:nvPr>
         </p:nvSpPr>
         <p:spPr>
           <a:xfrm>
             <a:off x="8704080" y="4816440"/>
-            <a:ext cx="203400" cy="142560"/>
+            <a:ext cx="203040" cy="142200"/>
           </a:xfrm>
           <a:prstGeom prst="rect">
             <a:avLst/>
@@ -4069,7 +4561,7 @@
                 <a:tab algn="l" pos="0"/>
               </a:tabLst>
             </a:pPr>
-            <a:fld id="{19EEF5EA-AFB0-4DBA-921D-2A0F5DC8E239}" type="slidenum">
+            <a:fld id="{A784A474-F8F9-4DC5-8AFE-6638820E2D4C}" type="slidenum">
               <a:rPr b="0" lang="ru" sz="1100" strike="noStrike" u="none">
                 <a:solidFill>
                   <a:srgbClr val="4d4e4f"/>
@@ -4094,14 +4586,14 @@
       </p:sp>
       <p:sp>
         <p:nvSpPr>
-          <p:cNvPr id="43" name="PlaceHolder 8"/>
+          <p:cNvPr id="48" name="PlaceHolder 8"/>
           <p:cNvSpPr/>
           <p:nvPr/>
         </p:nvSpPr>
         <p:spPr>
           <a:xfrm>
             <a:off x="457200" y="1143000"/>
-            <a:ext cx="8261640" cy="3199320"/>
+            <a:ext cx="8261280" cy="3198960"/>
           </a:xfrm>
           <a:prstGeom prst="rect">
             <a:avLst/>
@@ -4377,7 +4869,7 @@
       </p:grpSpPr>
       <p:sp>
         <p:nvSpPr>
-          <p:cNvPr id="44" name="PlaceHolder 1"/>
+          <p:cNvPr id="49" name="PlaceHolder 1"/>
           <p:cNvSpPr>
             <a:spLocks noGrp="1"/>
           </p:cNvSpPr>
@@ -4388,7 +4880,7 @@
         <p:spPr>
           <a:xfrm>
             <a:off x="442800" y="337680"/>
-            <a:ext cx="6253200" cy="437760"/>
+            <a:ext cx="6252840" cy="437400"/>
           </a:xfrm>
           <a:prstGeom prst="rect">
             <a:avLst/>
@@ -4437,18 +4929,18 @@
       </p:sp>
       <p:sp>
         <p:nvSpPr>
-          <p:cNvPr id="45" name="PlaceHolder 2"/>
+          <p:cNvPr id="50" name="PlaceHolder 2"/>
           <p:cNvSpPr>
             <a:spLocks noGrp="1"/>
           </p:cNvSpPr>
           <p:nvPr>
-            <p:ph type="sldNum" idx="9"/>
+            <p:ph type="sldNum" idx="10"/>
           </p:nvPr>
         </p:nvSpPr>
         <p:spPr>
           <a:xfrm>
             <a:off x="8704080" y="4816440"/>
-            <a:ext cx="203400" cy="142560"/>
+            <a:ext cx="203040" cy="142200"/>
           </a:xfrm>
           <a:prstGeom prst="rect">
             <a:avLst/>
@@ -4492,7 +4984,7 @@
                 <a:tab algn="l" pos="0"/>
               </a:tabLst>
             </a:pPr>
-            <a:fld id="{19D86C8C-5F08-4EE5-88DA-8B9E5543CBC3}" type="slidenum">
+            <a:fld id="{76994A23-3ABE-4C2C-AD97-0B67B0B8959B}" type="slidenum">
               <a:rPr b="0" lang="ru" sz="1100" strike="noStrike" u="none">
                 <a:solidFill>
                   <a:srgbClr val="4d4e4f"/>
@@ -4517,14 +5009,14 @@
       </p:sp>
       <p:sp>
         <p:nvSpPr>
-          <p:cNvPr id="46" name="PlaceHolder 11"/>
+          <p:cNvPr id="51" name="PlaceHolder 11"/>
           <p:cNvSpPr/>
           <p:nvPr/>
         </p:nvSpPr>
         <p:spPr>
           <a:xfrm>
             <a:off x="457200" y="1143000"/>
-            <a:ext cx="8261640" cy="3199320"/>
+            <a:ext cx="8261280" cy="3198960"/>
           </a:xfrm>
           <a:prstGeom prst="rect">
             <a:avLst/>
@@ -4770,7 +5262,7 @@
       </p:sp>
       <p:pic>
         <p:nvPicPr>
-          <p:cNvPr id="47" name="" descr=""/>
+          <p:cNvPr id="52" name="" descr=""/>
           <p:cNvPicPr/>
           <p:nvPr/>
         </p:nvPicPr>
@@ -4781,7 +5273,7 @@
         <p:spPr>
           <a:xfrm>
             <a:off x="3886200" y="3062160"/>
-            <a:ext cx="3656520" cy="1966680"/>
+            <a:ext cx="3656160" cy="1966320"/>
           </a:xfrm>
           <a:prstGeom prst="rect">
             <a:avLst/>
@@ -4824,7 +5316,7 @@
       </p:grpSpPr>
       <p:sp>
         <p:nvSpPr>
-          <p:cNvPr id="48" name="PlaceHolder 1"/>
+          <p:cNvPr id="53" name="PlaceHolder 1"/>
           <p:cNvSpPr>
             <a:spLocks noGrp="1"/>
           </p:cNvSpPr>
@@ -4835,7 +5327,7 @@
         <p:spPr>
           <a:xfrm>
             <a:off x="442800" y="337680"/>
-            <a:ext cx="6253200" cy="437760"/>
+            <a:ext cx="6252840" cy="437400"/>
           </a:xfrm>
           <a:prstGeom prst="rect">
             <a:avLst/>
@@ -4884,18 +5376,18 @@
       </p:sp>
       <p:sp>
         <p:nvSpPr>
-          <p:cNvPr id="49" name="PlaceHolder 2"/>
+          <p:cNvPr id="54" name="PlaceHolder 2"/>
           <p:cNvSpPr>
             <a:spLocks noGrp="1"/>
           </p:cNvSpPr>
           <p:nvPr>
-            <p:ph type="sldNum" idx="10"/>
+            <p:ph type="sldNum" idx="11"/>
           </p:nvPr>
         </p:nvSpPr>
         <p:spPr>
           <a:xfrm>
             <a:off x="8704080" y="4816440"/>
-            <a:ext cx="203400" cy="142560"/>
+            <a:ext cx="203040" cy="142200"/>
           </a:xfrm>
           <a:prstGeom prst="rect">
             <a:avLst/>
@@ -4939,7 +5431,7 @@
                 <a:tab algn="l" pos="0"/>
               </a:tabLst>
             </a:pPr>
-            <a:fld id="{8258C729-BC29-42FE-9582-3BB2C21973A6}" type="slidenum">
+            <a:fld id="{6D3636B9-FACD-4729-959E-76A3CB26FC1F}" type="slidenum">
               <a:rPr b="0" lang="ru" sz="1100" strike="noStrike" u="none">
                 <a:solidFill>
                   <a:srgbClr val="4d4e4f"/>
@@ -4964,14 +5456,14 @@
       </p:sp>
       <p:sp>
         <p:nvSpPr>
-          <p:cNvPr id="50" name="PlaceHolder 18"/>
+          <p:cNvPr id="55" name="PlaceHolder 18"/>
           <p:cNvSpPr/>
           <p:nvPr/>
         </p:nvSpPr>
         <p:spPr>
           <a:xfrm>
             <a:off x="424800" y="914400"/>
-            <a:ext cx="8261640" cy="3199320"/>
+            <a:ext cx="8261280" cy="3198960"/>
           </a:xfrm>
           <a:prstGeom prst="rect">
             <a:avLst/>
@@ -5443,7 +5935,7 @@
       </p:grpSpPr>
       <p:sp>
         <p:nvSpPr>
-          <p:cNvPr id="51" name="PlaceHolder 1"/>
+          <p:cNvPr id="56" name="PlaceHolder 1"/>
           <p:cNvSpPr>
             <a:spLocks noGrp="1"/>
           </p:cNvSpPr>
@@ -5454,7 +5946,7 @@
         <p:spPr>
           <a:xfrm>
             <a:off x="442800" y="337680"/>
-            <a:ext cx="6252120" cy="436680"/>
+            <a:ext cx="6251760" cy="436320"/>
           </a:xfrm>
           <a:prstGeom prst="rect">
             <a:avLst/>
@@ -5503,18 +5995,18 @@
       </p:sp>
       <p:sp>
         <p:nvSpPr>
-          <p:cNvPr id="52" name="PlaceHolder 2"/>
+          <p:cNvPr id="57" name="PlaceHolder 2"/>
           <p:cNvSpPr>
             <a:spLocks noGrp="1"/>
           </p:cNvSpPr>
           <p:nvPr>
-            <p:ph type="sldNum" idx="11"/>
+            <p:ph type="sldNum" idx="12"/>
           </p:nvPr>
         </p:nvSpPr>
         <p:spPr>
           <a:xfrm>
             <a:off x="8704080" y="4816440"/>
-            <a:ext cx="202320" cy="141480"/>
+            <a:ext cx="201960" cy="141120"/>
           </a:xfrm>
           <a:prstGeom prst="rect">
             <a:avLst/>
@@ -5558,7 +6050,7 @@
                 <a:tab algn="l" pos="0"/>
               </a:tabLst>
             </a:pPr>
-            <a:fld id="{9779DC32-CC93-4E3C-BF75-9BF28DFD7902}" type="slidenum">
+            <a:fld id="{4B49F443-10B6-4434-997E-87BAB5DCB672}" type="slidenum">
               <a:rPr b="0" lang="ru" sz="1100" strike="noStrike" u="none">
                 <a:solidFill>
                   <a:srgbClr val="4d4e4f"/>
@@ -5583,7 +6075,7 @@
       </p:sp>
       <p:pic>
         <p:nvPicPr>
-          <p:cNvPr id="53" name="" descr=""/>
+          <p:cNvPr id="58" name="" descr=""/>
           <p:cNvPicPr/>
           <p:nvPr/>
         </p:nvPicPr>
@@ -5594,7 +6086,7 @@
         <p:spPr>
           <a:xfrm>
             <a:off x="1600200" y="775440"/>
-            <a:ext cx="5713920" cy="4093560"/>
+            <a:ext cx="5713560" cy="4093200"/>
           </a:xfrm>
           <a:prstGeom prst="rect">
             <a:avLst/>
@@ -5637,7 +6129,7 @@
       </p:grpSpPr>
       <p:sp>
         <p:nvSpPr>
-          <p:cNvPr id="54" name="PlaceHolder 1"/>
+          <p:cNvPr id="59" name="PlaceHolder 1"/>
           <p:cNvSpPr>
             <a:spLocks noGrp="1"/>
           </p:cNvSpPr>
@@ -5648,7 +6140,7 @@
         <p:spPr>
           <a:xfrm>
             <a:off x="442800" y="337680"/>
-            <a:ext cx="6252120" cy="436680"/>
+            <a:ext cx="6251760" cy="436320"/>
           </a:xfrm>
           <a:prstGeom prst="rect">
             <a:avLst/>
@@ -5697,18 +6189,18 @@
       </p:sp>
       <p:sp>
         <p:nvSpPr>
-          <p:cNvPr id="55" name="PlaceHolder 2"/>
+          <p:cNvPr id="60" name="PlaceHolder 2"/>
           <p:cNvSpPr>
             <a:spLocks noGrp="1"/>
           </p:cNvSpPr>
           <p:nvPr>
-            <p:ph type="sldNum" idx="12"/>
+            <p:ph type="sldNum" idx="13"/>
           </p:nvPr>
         </p:nvSpPr>
         <p:spPr>
           <a:xfrm>
             <a:off x="8704080" y="4816440"/>
-            <a:ext cx="202320" cy="141480"/>
+            <a:ext cx="201960" cy="141120"/>
           </a:xfrm>
           <a:prstGeom prst="rect">
             <a:avLst/>
@@ -5752,7 +6244,7 @@
                 <a:tab algn="l" pos="0"/>
               </a:tabLst>
             </a:pPr>
-            <a:fld id="{44AF3BA5-7547-4B0C-965B-232A123BBE0D}" type="slidenum">
+            <a:fld id="{8E27FF19-6F74-4CA5-B9E7-13F0EB28AA23}" type="slidenum">
               <a:rPr b="0" lang="ru" sz="1100" strike="noStrike" u="none">
                 <a:solidFill>
                   <a:srgbClr val="4d4e4f"/>
@@ -5777,7 +6269,7 @@
       </p:sp>
       <p:pic>
         <p:nvPicPr>
-          <p:cNvPr id="56" name="" descr=""/>
+          <p:cNvPr id="61" name="" descr=""/>
           <p:cNvPicPr/>
           <p:nvPr/>
         </p:nvPicPr>
@@ -5788,7 +6280,7 @@
         <p:spPr>
           <a:xfrm>
             <a:off x="457200" y="1371600"/>
-            <a:ext cx="3885120" cy="2913840"/>
+            <a:ext cx="3884760" cy="2913480"/>
           </a:xfrm>
           <a:prstGeom prst="rect">
             <a:avLst/>
@@ -5801,7 +6293,7 @@
       </p:pic>
       <p:pic>
         <p:nvPicPr>
-          <p:cNvPr id="57" name="" descr=""/>
+          <p:cNvPr id="62" name="" descr=""/>
           <p:cNvPicPr/>
           <p:nvPr/>
         </p:nvPicPr>
@@ -5812,7 +6304,7 @@
         <p:spPr>
           <a:xfrm>
             <a:off x="4800600" y="1371600"/>
-            <a:ext cx="3885120" cy="2913840"/>
+            <a:ext cx="3884760" cy="2913480"/>
           </a:xfrm>
           <a:prstGeom prst="rect">
             <a:avLst/>
@@ -5855,7 +6347,7 @@
       </p:grpSpPr>
       <p:sp>
         <p:nvSpPr>
-          <p:cNvPr id="58" name="PlaceHolder 1"/>
+          <p:cNvPr id="63" name="PlaceHolder 1"/>
           <p:cNvSpPr>
             <a:spLocks noGrp="1"/>
           </p:cNvSpPr>
@@ -5866,7 +6358,7 @@
         <p:spPr>
           <a:xfrm>
             <a:off x="442800" y="337680"/>
-            <a:ext cx="6253200" cy="437760"/>
+            <a:ext cx="6252840" cy="437400"/>
           </a:xfrm>
           <a:prstGeom prst="rect">
             <a:avLst/>
@@ -5915,18 +6407,18 @@
       </p:sp>
       <p:sp>
         <p:nvSpPr>
-          <p:cNvPr id="59" name="PlaceHolder 2"/>
+          <p:cNvPr id="64" name="PlaceHolder 2"/>
           <p:cNvSpPr>
             <a:spLocks noGrp="1"/>
           </p:cNvSpPr>
           <p:nvPr>
-            <p:ph type="sldNum" idx="13"/>
+            <p:ph type="sldNum" idx="14"/>
           </p:nvPr>
         </p:nvSpPr>
         <p:spPr>
           <a:xfrm>
             <a:off x="8704080" y="4816440"/>
-            <a:ext cx="203400" cy="142560"/>
+            <a:ext cx="203040" cy="142200"/>
           </a:xfrm>
           <a:prstGeom prst="rect">
             <a:avLst/>
@@ -5970,7 +6462,7 @@
                 <a:tab algn="l" pos="0"/>
               </a:tabLst>
             </a:pPr>
-            <a:fld id="{E8C63BC3-070A-4099-B942-990240FFB554}" type="slidenum">
+            <a:fld id="{9B0A4D14-9DF1-4A3F-B267-12C0B018601C}" type="slidenum">
               <a:rPr b="0" lang="ru" sz="1100" strike="noStrike" u="none">
                 <a:solidFill>
                   <a:srgbClr val="4d4e4f"/>
@@ -5995,14 +6487,14 @@
       </p:sp>
       <p:sp>
         <p:nvSpPr>
-          <p:cNvPr id="60" name="PlaceHolder 24"/>
+          <p:cNvPr id="65" name="PlaceHolder 24"/>
           <p:cNvSpPr/>
           <p:nvPr/>
         </p:nvSpPr>
         <p:spPr>
           <a:xfrm>
             <a:off x="424800" y="1143000"/>
-            <a:ext cx="8261640" cy="3199320"/>
+            <a:ext cx="8261280" cy="3198960"/>
           </a:xfrm>
           <a:prstGeom prst="rect">
             <a:avLst/>
@@ -6230,7 +6722,7 @@
       </p:grpSpPr>
       <p:sp>
         <p:nvSpPr>
-          <p:cNvPr id="61" name="PlaceHolder 1"/>
+          <p:cNvPr id="66" name="PlaceHolder 1"/>
           <p:cNvSpPr>
             <a:spLocks noGrp="1"/>
           </p:cNvSpPr>
@@ -6241,7 +6733,7 @@
         <p:spPr>
           <a:xfrm>
             <a:off x="2514600" y="2302920"/>
-            <a:ext cx="6252120" cy="436680"/>
+            <a:ext cx="6251760" cy="436320"/>
           </a:xfrm>
           <a:prstGeom prst="rect">
             <a:avLst/>
@@ -6290,18 +6782,18 @@
       </p:sp>
       <p:sp>
         <p:nvSpPr>
-          <p:cNvPr id="62" name="PlaceHolder 2"/>
+          <p:cNvPr id="67" name="PlaceHolder 2"/>
           <p:cNvSpPr>
             <a:spLocks noGrp="1"/>
           </p:cNvSpPr>
           <p:nvPr>
-            <p:ph type="sldNum" idx="14"/>
+            <p:ph type="sldNum" idx="15"/>
           </p:nvPr>
         </p:nvSpPr>
         <p:spPr>
           <a:xfrm>
             <a:off x="8704080" y="4816440"/>
-            <a:ext cx="202320" cy="141480"/>
+            <a:ext cx="201960" cy="141120"/>
           </a:xfrm>
           <a:prstGeom prst="rect">
             <a:avLst/>
@@ -6345,7 +6837,7 @@
                 <a:tab algn="l" pos="0"/>
               </a:tabLst>
             </a:pPr>
-            <a:fld id="{239A2D40-ACD8-4EF1-842B-41F56E28B964}" type="slidenum">
+            <a:fld id="{3C7FA8EE-D3CE-4E32-B52E-400C17B212C7}" type="slidenum">
               <a:rPr b="0" lang="ru" sz="1100" strike="noStrike" u="none">
                 <a:solidFill>
                   <a:srgbClr val="4d4e4f"/>
